--- a/Presentation1.pptx
+++ b/Presentation1.pptx
@@ -13,7 +13,8 @@
     <p:sldId id="263" r:id="rId7"/>
     <p:sldId id="257" r:id="rId8"/>
     <p:sldId id="260" r:id="rId9"/>
-    <p:sldId id="261" r:id="rId10"/>
+    <p:sldId id="265" r:id="rId10"/>
+    <p:sldId id="266" r:id="rId11"/>
   </p:sldIdLst>
   <p:sldSz cx="12192000" cy="6858000"/>
   <p:notesSz cx="6858000" cy="9144000"/>
@@ -812,7 +813,1459 @@
 </c:chartSpace>
 </file>
 
+<file path=ppt/charts/chart2.xml><?xml version="1.0" encoding="utf-8"?>
+<c:chartSpace xmlns:c="http://schemas.openxmlformats.org/drawingml/2006/chart" xmlns:a="http://schemas.openxmlformats.org/drawingml/2006/main" xmlns:r="http://schemas.openxmlformats.org/officeDocument/2006/relationships" xmlns:c16r2="http://schemas.microsoft.com/office/drawing/2015/06/chart">
+  <c:date1904 val="0"/>
+  <c:lang val="en-US"/>
+  <c:roundedCorners val="0"/>
+  <mc:AlternateContent xmlns:mc="http://schemas.openxmlformats.org/markup-compatibility/2006">
+    <mc:Choice xmlns:c14="http://schemas.microsoft.com/office/drawing/2007/8/2/chart" Requires="c14">
+      <c14:style val="102"/>
+    </mc:Choice>
+    <mc:Fallback>
+      <c:style val="2"/>
+    </mc:Fallback>
+  </mc:AlternateContent>
+  <c:chart>
+    <c:title>
+      <c:tx>
+        <c:rich>
+          <a:bodyPr rot="0" spcFirstLastPara="1" vertOverflow="ellipsis" vert="horz" wrap="square" anchor="ctr" anchorCtr="1"/>
+          <a:lstStyle/>
+          <a:p>
+            <a:pPr>
+              <a:defRPr sz="1862" b="0" i="0" u="none" strike="noStrike" kern="1200" spc="0" baseline="0">
+                <a:solidFill>
+                  <a:schemeClr val="tx1">
+                    <a:lumMod val="65000"/>
+                    <a:lumOff val="35000"/>
+                  </a:schemeClr>
+                </a:solidFill>
+                <a:latin typeface="+mn-lt"/>
+                <a:ea typeface="+mn-ea"/>
+                <a:cs typeface="+mn-cs"/>
+              </a:defRPr>
+            </a:pPr>
+            <a:r>
+              <a:rPr lang="en-US" dirty="0"/>
+              <a:t>Median ABV</a:t>
+            </a:r>
+          </a:p>
+        </c:rich>
+      </c:tx>
+      <c:overlay val="0"/>
+      <c:spPr>
+        <a:noFill/>
+        <a:ln>
+          <a:noFill/>
+        </a:ln>
+        <a:effectLst/>
+      </c:spPr>
+      <c:txPr>
+        <a:bodyPr rot="0" spcFirstLastPara="1" vertOverflow="ellipsis" vert="horz" wrap="square" anchor="ctr" anchorCtr="1"/>
+        <a:lstStyle/>
+        <a:p>
+          <a:pPr>
+            <a:defRPr sz="1862" b="0" i="0" u="none" strike="noStrike" kern="1200" spc="0" baseline="0">
+              <a:solidFill>
+                <a:schemeClr val="tx1">
+                  <a:lumMod val="65000"/>
+                  <a:lumOff val="35000"/>
+                </a:schemeClr>
+              </a:solidFill>
+              <a:latin typeface="+mn-lt"/>
+              <a:ea typeface="+mn-ea"/>
+              <a:cs typeface="+mn-cs"/>
+            </a:defRPr>
+          </a:pPr>
+          <a:endParaRPr lang="en-US"/>
+        </a:p>
+      </c:txPr>
+    </c:title>
+    <c:autoTitleDeleted val="0"/>
+    <c:plotArea>
+      <c:layout/>
+      <c:barChart>
+        <c:barDir val="col"/>
+        <c:grouping val="clustered"/>
+        <c:varyColors val="0"/>
+        <c:ser>
+          <c:idx val="0"/>
+          <c:order val="0"/>
+          <c:tx>
+            <c:strRef>
+              <c:f>Sheet1!$B$1</c:f>
+              <c:strCache>
+                <c:ptCount val="1"/>
+                <c:pt idx="0">
+                  <c:v>ABV</c:v>
+                </c:pt>
+              </c:strCache>
+            </c:strRef>
+          </c:tx>
+          <c:spPr>
+            <a:solidFill>
+              <a:schemeClr val="accent1"/>
+            </a:solidFill>
+            <a:ln>
+              <a:noFill/>
+            </a:ln>
+            <a:effectLst/>
+          </c:spPr>
+          <c:invertIfNegative val="0"/>
+          <c:dLbls>
+            <c:dLbl>
+              <c:idx val="0"/>
+              <c:dLblPos val="outEnd"/>
+              <c:showLegendKey val="0"/>
+              <c:showVal val="1"/>
+              <c:showCatName val="0"/>
+              <c:showSerName val="0"/>
+              <c:showPercent val="0"/>
+              <c:showBubbleSize val="0"/>
+              <c:extLst>
+                <c:ext xmlns:c15="http://schemas.microsoft.com/office/drawing/2012/chart" uri="{CE6537A1-D6FC-4f65-9D91-7224C49458BB}"/>
+                <c:ext xmlns:c16="http://schemas.microsoft.com/office/drawing/2014/chart" uri="{C3380CC4-5D6E-409C-BE32-E72D297353CC}">
+                  <c16:uniqueId val="{00000003-90C9-4CB6-87F4-6449A1327139}"/>
+                </c:ext>
+              </c:extLst>
+            </c:dLbl>
+            <c:dLbl>
+              <c:idx val="50"/>
+              <c:dLblPos val="outEnd"/>
+              <c:showLegendKey val="0"/>
+              <c:showVal val="1"/>
+              <c:showCatName val="0"/>
+              <c:showSerName val="0"/>
+              <c:showPercent val="0"/>
+              <c:showBubbleSize val="0"/>
+              <c:extLst>
+                <c:ext xmlns:c15="http://schemas.microsoft.com/office/drawing/2012/chart" uri="{CE6537A1-D6FC-4f65-9D91-7224C49458BB}"/>
+                <c:ext xmlns:c16="http://schemas.microsoft.com/office/drawing/2014/chart" uri="{C3380CC4-5D6E-409C-BE32-E72D297353CC}">
+                  <c16:uniqueId val="{00000004-90C9-4CB6-87F4-6449A1327139}"/>
+                </c:ext>
+              </c:extLst>
+            </c:dLbl>
+            <c:spPr>
+              <a:noFill/>
+              <a:ln>
+                <a:noFill/>
+              </a:ln>
+              <a:effectLst/>
+            </c:spPr>
+            <c:txPr>
+              <a:bodyPr rot="0" spcFirstLastPara="1" vertOverflow="ellipsis" vert="horz" wrap="square" lIns="38100" tIns="19050" rIns="38100" bIns="19050" anchor="ctr" anchorCtr="1">
+                <a:spAutoFit/>
+              </a:bodyPr>
+              <a:lstStyle/>
+              <a:p>
+                <a:pPr>
+                  <a:defRPr sz="1197" b="0" i="0" u="none" strike="noStrike" kern="1200" baseline="0">
+                    <a:solidFill>
+                      <a:schemeClr val="tx1">
+                        <a:lumMod val="75000"/>
+                        <a:lumOff val="25000"/>
+                      </a:schemeClr>
+                    </a:solidFill>
+                    <a:latin typeface="+mn-lt"/>
+                    <a:ea typeface="+mn-ea"/>
+                    <a:cs typeface="+mn-cs"/>
+                  </a:defRPr>
+                </a:pPr>
+                <a:endParaRPr lang="en-US"/>
+              </a:p>
+            </c:txPr>
+            <c:dLblPos val="outEnd"/>
+            <c:showLegendKey val="0"/>
+            <c:showVal val="0"/>
+            <c:showCatName val="0"/>
+            <c:showSerName val="0"/>
+            <c:showPercent val="0"/>
+            <c:showBubbleSize val="0"/>
+            <c:extLst>
+              <c:ext xmlns:c15="http://schemas.microsoft.com/office/drawing/2012/chart" uri="{CE6537A1-D6FC-4f65-9D91-7224C49458BB}">
+                <c15:showLeaderLines val="1"/>
+                <c15:leaderLines>
+                  <c:spPr>
+                    <a:ln w="9525" cap="flat" cmpd="sng" algn="ctr">
+                      <a:solidFill>
+                        <a:schemeClr val="tx1">
+                          <a:lumMod val="35000"/>
+                          <a:lumOff val="65000"/>
+                        </a:schemeClr>
+                      </a:solidFill>
+                      <a:round/>
+                    </a:ln>
+                    <a:effectLst/>
+                  </c:spPr>
+                </c15:leaderLines>
+              </c:ext>
+            </c:extLst>
+          </c:dLbls>
+          <c:cat>
+            <c:strRef>
+              <c:f>Sheet1!$A$2:$A$52</c:f>
+              <c:strCache>
+                <c:ptCount val="51"/>
+                <c:pt idx="0">
+                  <c:v>DC</c:v>
+                </c:pt>
+                <c:pt idx="1">
+                  <c:v>KY</c:v>
+                </c:pt>
+                <c:pt idx="2">
+                  <c:v>MI</c:v>
+                </c:pt>
+                <c:pt idx="3">
+                  <c:v>NM</c:v>
+                </c:pt>
+                <c:pt idx="4">
+                  <c:v>WV</c:v>
+                </c:pt>
+                <c:pt idx="5">
+                  <c:v>CO</c:v>
+                </c:pt>
+                <c:pt idx="6">
+                  <c:v>AL</c:v>
+                </c:pt>
+                <c:pt idx="7">
+                  <c:v>CT</c:v>
+                </c:pt>
+                <c:pt idx="8">
+                  <c:v>NV</c:v>
+                </c:pt>
+                <c:pt idx="9">
+                  <c:v>OK</c:v>
+                </c:pt>
+                <c:pt idx="10">
+                  <c:v>SD</c:v>
+                </c:pt>
+                <c:pt idx="11">
+                  <c:v>CA</c:v>
+                </c:pt>
+                <c:pt idx="12">
+                  <c:v>IL</c:v>
+                </c:pt>
+                <c:pt idx="13">
+                  <c:v>IN</c:v>
+                </c:pt>
+                <c:pt idx="14">
+                  <c:v>MD</c:v>
+                </c:pt>
+                <c:pt idx="15">
+                  <c:v>MS</c:v>
+                </c:pt>
+                <c:pt idx="16">
+                  <c:v>OH</c:v>
+                </c:pt>
+                <c:pt idx="17">
+                  <c:v>FL</c:v>
+                </c:pt>
+                <c:pt idx="18">
+                  <c:v>NC</c:v>
+                </c:pt>
+                <c:pt idx="19">
+                  <c:v>PA</c:v>
+                </c:pt>
+                <c:pt idx="20">
+                  <c:v>TN</c:v>
+                </c:pt>
+                <c:pt idx="21">
+                  <c:v>ID</c:v>
+                </c:pt>
+                <c:pt idx="22">
+                  <c:v>VA</c:v>
+                </c:pt>
+                <c:pt idx="23">
+                  <c:v>AK</c:v>
+                </c:pt>
+                <c:pt idx="24">
+                  <c:v>MN</c:v>
+                </c:pt>
+                <c:pt idx="25">
+                  <c:v>NE</c:v>
+                </c:pt>
+                <c:pt idx="26">
+                  <c:v>OR</c:v>
+                </c:pt>
+                <c:pt idx="27">
+                  <c:v>IA</c:v>
+                </c:pt>
+                <c:pt idx="28">
+                  <c:v>WA</c:v>
+                </c:pt>
+                <c:pt idx="29">
+                  <c:v>AZ</c:v>
+                </c:pt>
+                <c:pt idx="30">
+                  <c:v>DE</c:v>
+                </c:pt>
+                <c:pt idx="31">
+                  <c:v>GA</c:v>
+                </c:pt>
+                <c:pt idx="32">
+                  <c:v>MT</c:v>
+                </c:pt>
+                <c:pt idx="33">
+                  <c:v>NH</c:v>
+                </c:pt>
+                <c:pt idx="34">
+                  <c:v>NY</c:v>
+                </c:pt>
+                <c:pt idx="35">
+                  <c:v>RI</c:v>
+                </c:pt>
+                <c:pt idx="36">
+                  <c:v>SC</c:v>
+                </c:pt>
+                <c:pt idx="37">
+                  <c:v>TX</c:v>
+                </c:pt>
+                <c:pt idx="38">
+                  <c:v>VT</c:v>
+                </c:pt>
+                <c:pt idx="39">
+                  <c:v>HI</c:v>
+                </c:pt>
+                <c:pt idx="40">
+                  <c:v>MA</c:v>
+                </c:pt>
+                <c:pt idx="41">
+                  <c:v>AR</c:v>
+                </c:pt>
+                <c:pt idx="42">
+                  <c:v>LA</c:v>
+                </c:pt>
+                <c:pt idx="43">
+                  <c:v>MO</c:v>
+                </c:pt>
+                <c:pt idx="44">
+                  <c:v>WI</c:v>
+                </c:pt>
+                <c:pt idx="45">
+                  <c:v>ME</c:v>
+                </c:pt>
+                <c:pt idx="46">
+                  <c:v>KS</c:v>
+                </c:pt>
+                <c:pt idx="47">
+                  <c:v>ND</c:v>
+                </c:pt>
+                <c:pt idx="48">
+                  <c:v>WY</c:v>
+                </c:pt>
+                <c:pt idx="49">
+                  <c:v>NJ</c:v>
+                </c:pt>
+                <c:pt idx="50">
+                  <c:v>UT</c:v>
+                </c:pt>
+              </c:strCache>
+            </c:strRef>
+          </c:cat>
+          <c:val>
+            <c:numRef>
+              <c:f>Sheet1!$B$2:$B$52</c:f>
+              <c:numCache>
+                <c:formatCode>0.000</c:formatCode>
+                <c:ptCount val="51"/>
+                <c:pt idx="0">
+                  <c:v>6.25E-2</c:v>
+                </c:pt>
+                <c:pt idx="1">
+                  <c:v>6.25E-2</c:v>
+                </c:pt>
+                <c:pt idx="2">
+                  <c:v>6.2E-2</c:v>
+                </c:pt>
+                <c:pt idx="3">
+                  <c:v>6.2E-2</c:v>
+                </c:pt>
+                <c:pt idx="4">
+                  <c:v>6.2E-2</c:v>
+                </c:pt>
+                <c:pt idx="5">
+                  <c:v>6.0499999999999998E-2</c:v>
+                </c:pt>
+                <c:pt idx="6">
+                  <c:v>0.06</c:v>
+                </c:pt>
+                <c:pt idx="7">
+                  <c:v>0.06</c:v>
+                </c:pt>
+                <c:pt idx="8">
+                  <c:v>0.06</c:v>
+                </c:pt>
+                <c:pt idx="9">
+                  <c:v>0.06</c:v>
+                </c:pt>
+                <c:pt idx="10">
+                  <c:v>0.06</c:v>
+                </c:pt>
+                <c:pt idx="11">
+                  <c:v>5.8000000000000003E-2</c:v>
+                </c:pt>
+                <c:pt idx="12">
+                  <c:v>5.8000000000000003E-2</c:v>
+                </c:pt>
+                <c:pt idx="13">
+                  <c:v>5.8000000000000003E-2</c:v>
+                </c:pt>
+                <c:pt idx="14">
+                  <c:v>5.8000000000000003E-2</c:v>
+                </c:pt>
+                <c:pt idx="15">
+                  <c:v>5.8000000000000003E-2</c:v>
+                </c:pt>
+                <c:pt idx="16">
+                  <c:v>5.8000000000000003E-2</c:v>
+                </c:pt>
+                <c:pt idx="17">
+                  <c:v>5.7000000000000002E-2</c:v>
+                </c:pt>
+                <c:pt idx="18">
+                  <c:v>5.7000000000000002E-2</c:v>
+                </c:pt>
+                <c:pt idx="19">
+                  <c:v>5.7000000000000002E-2</c:v>
+                </c:pt>
+                <c:pt idx="20">
+                  <c:v>5.7000000000000002E-2</c:v>
+                </c:pt>
+                <c:pt idx="21">
+                  <c:v>5.6500000000000002E-2</c:v>
+                </c:pt>
+                <c:pt idx="22">
+                  <c:v>5.6500000000000002E-2</c:v>
+                </c:pt>
+                <c:pt idx="23">
+                  <c:v>5.6000000000000001E-2</c:v>
+                </c:pt>
+                <c:pt idx="24">
+                  <c:v>5.6000000000000001E-2</c:v>
+                </c:pt>
+                <c:pt idx="25">
+                  <c:v>5.6000000000000001E-2</c:v>
+                </c:pt>
+                <c:pt idx="26">
+                  <c:v>5.6000000000000001E-2</c:v>
+                </c:pt>
+                <c:pt idx="27">
+                  <c:v>5.5500000000000001E-2</c:v>
+                </c:pt>
+                <c:pt idx="28">
+                  <c:v>5.5500000000000001E-2</c:v>
+                </c:pt>
+                <c:pt idx="29">
+                  <c:v>5.5E-2</c:v>
+                </c:pt>
+                <c:pt idx="30">
+                  <c:v>5.5E-2</c:v>
+                </c:pt>
+                <c:pt idx="31">
+                  <c:v>5.5E-2</c:v>
+                </c:pt>
+                <c:pt idx="32">
+                  <c:v>5.5E-2</c:v>
+                </c:pt>
+                <c:pt idx="33">
+                  <c:v>5.5E-2</c:v>
+                </c:pt>
+                <c:pt idx="34">
+                  <c:v>5.5E-2</c:v>
+                </c:pt>
+                <c:pt idx="35">
+                  <c:v>5.5E-2</c:v>
+                </c:pt>
+                <c:pt idx="36">
+                  <c:v>5.5E-2</c:v>
+                </c:pt>
+                <c:pt idx="37">
+                  <c:v>5.5E-2</c:v>
+                </c:pt>
+                <c:pt idx="38">
+                  <c:v>5.5E-2</c:v>
+                </c:pt>
+                <c:pt idx="39">
+                  <c:v>5.3999999999999999E-2</c:v>
+                </c:pt>
+                <c:pt idx="40">
+                  <c:v>5.3999999999999999E-2</c:v>
+                </c:pt>
+                <c:pt idx="41">
+                  <c:v>5.1999999999999998E-2</c:v>
+                </c:pt>
+                <c:pt idx="42">
+                  <c:v>5.1999999999999998E-2</c:v>
+                </c:pt>
+                <c:pt idx="43">
+                  <c:v>5.1999999999999998E-2</c:v>
+                </c:pt>
+                <c:pt idx="44">
+                  <c:v>5.1999999999999998E-2</c:v>
+                </c:pt>
+                <c:pt idx="45">
+                  <c:v>5.0999999999999997E-2</c:v>
+                </c:pt>
+                <c:pt idx="46">
+                  <c:v>0.05</c:v>
+                </c:pt>
+                <c:pt idx="47">
+                  <c:v>0.05</c:v>
+                </c:pt>
+                <c:pt idx="48">
+                  <c:v>0.05</c:v>
+                </c:pt>
+                <c:pt idx="49">
+                  <c:v>4.5999999999999999E-2</c:v>
+                </c:pt>
+                <c:pt idx="50">
+                  <c:v>0.04</c:v>
+                </c:pt>
+              </c:numCache>
+            </c:numRef>
+          </c:val>
+          <c:extLst>
+            <c:ext xmlns:c16="http://schemas.microsoft.com/office/drawing/2014/chart" uri="{C3380CC4-5D6E-409C-BE32-E72D297353CC}">
+              <c16:uniqueId val="{00000000-90C9-4CB6-87F4-6449A1327139}"/>
+            </c:ext>
+          </c:extLst>
+        </c:ser>
+        <c:dLbls>
+          <c:dLblPos val="outEnd"/>
+          <c:showLegendKey val="0"/>
+          <c:showVal val="0"/>
+          <c:showCatName val="0"/>
+          <c:showSerName val="0"/>
+          <c:showPercent val="0"/>
+          <c:showBubbleSize val="0"/>
+        </c:dLbls>
+        <c:gapWidth val="219"/>
+        <c:overlap val="-27"/>
+        <c:axId val="489020288"/>
+        <c:axId val="488776336"/>
+      </c:barChart>
+      <c:catAx>
+        <c:axId val="489020288"/>
+        <c:scaling>
+          <c:orientation val="minMax"/>
+        </c:scaling>
+        <c:delete val="0"/>
+        <c:axPos val="b"/>
+        <c:numFmt formatCode="General" sourceLinked="1"/>
+        <c:majorTickMark val="none"/>
+        <c:minorTickMark val="none"/>
+        <c:tickLblPos val="nextTo"/>
+        <c:spPr>
+          <a:noFill/>
+          <a:ln w="9525" cap="flat" cmpd="sng" algn="ctr">
+            <a:solidFill>
+              <a:schemeClr val="tx1">
+                <a:lumMod val="15000"/>
+                <a:lumOff val="85000"/>
+              </a:schemeClr>
+            </a:solidFill>
+            <a:round/>
+          </a:ln>
+          <a:effectLst/>
+        </c:spPr>
+        <c:txPr>
+          <a:bodyPr rot="-60000000" spcFirstLastPara="1" vertOverflow="ellipsis" vert="horz" wrap="square" anchor="ctr" anchorCtr="1"/>
+          <a:lstStyle/>
+          <a:p>
+            <a:pPr>
+              <a:defRPr sz="1197" b="0" i="0" u="none" strike="noStrike" kern="1200" baseline="0">
+                <a:solidFill>
+                  <a:schemeClr val="tx1">
+                    <a:lumMod val="65000"/>
+                    <a:lumOff val="35000"/>
+                  </a:schemeClr>
+                </a:solidFill>
+                <a:latin typeface="+mn-lt"/>
+                <a:ea typeface="+mn-ea"/>
+                <a:cs typeface="+mn-cs"/>
+              </a:defRPr>
+            </a:pPr>
+            <a:endParaRPr lang="en-US"/>
+          </a:p>
+        </c:txPr>
+        <c:crossAx val="488776336"/>
+        <c:crosses val="autoZero"/>
+        <c:auto val="1"/>
+        <c:lblAlgn val="ctr"/>
+        <c:lblOffset val="100"/>
+        <c:noMultiLvlLbl val="0"/>
+      </c:catAx>
+      <c:valAx>
+        <c:axId val="488776336"/>
+        <c:scaling>
+          <c:orientation val="minMax"/>
+        </c:scaling>
+        <c:delete val="0"/>
+        <c:axPos val="l"/>
+        <c:majorGridlines>
+          <c:spPr>
+            <a:ln w="9525" cap="flat" cmpd="sng" algn="ctr">
+              <a:solidFill>
+                <a:schemeClr val="tx1">
+                  <a:lumMod val="15000"/>
+                  <a:lumOff val="85000"/>
+                </a:schemeClr>
+              </a:solidFill>
+              <a:round/>
+            </a:ln>
+            <a:effectLst/>
+          </c:spPr>
+        </c:majorGridlines>
+        <c:numFmt formatCode="0.000" sourceLinked="1"/>
+        <c:majorTickMark val="none"/>
+        <c:minorTickMark val="none"/>
+        <c:tickLblPos val="nextTo"/>
+        <c:spPr>
+          <a:noFill/>
+          <a:ln>
+            <a:noFill/>
+          </a:ln>
+          <a:effectLst/>
+        </c:spPr>
+        <c:txPr>
+          <a:bodyPr rot="-60000000" spcFirstLastPara="1" vertOverflow="ellipsis" vert="horz" wrap="square" anchor="ctr" anchorCtr="1"/>
+          <a:lstStyle/>
+          <a:p>
+            <a:pPr>
+              <a:defRPr sz="1197" b="0" i="0" u="none" strike="noStrike" kern="1200" baseline="0">
+                <a:solidFill>
+                  <a:schemeClr val="tx1">
+                    <a:lumMod val="65000"/>
+                    <a:lumOff val="35000"/>
+                  </a:schemeClr>
+                </a:solidFill>
+                <a:latin typeface="+mn-lt"/>
+                <a:ea typeface="+mn-ea"/>
+                <a:cs typeface="+mn-cs"/>
+              </a:defRPr>
+            </a:pPr>
+            <a:endParaRPr lang="en-US"/>
+          </a:p>
+        </c:txPr>
+        <c:crossAx val="489020288"/>
+        <c:crosses val="autoZero"/>
+        <c:crossBetween val="between"/>
+      </c:valAx>
+      <c:spPr>
+        <a:noFill/>
+        <a:ln>
+          <a:noFill/>
+        </a:ln>
+        <a:effectLst/>
+      </c:spPr>
+    </c:plotArea>
+    <c:plotVisOnly val="1"/>
+    <c:dispBlanksAs val="gap"/>
+    <c:extLst>
+      <c:ext xmlns:c16r3="http://schemas.microsoft.com/office/drawing/2017/03/chart" uri="{56B9EC1D-385E-4148-901F-78D8002777C0}">
+        <c16r3:dataDisplayOptions16>
+          <c16r3:dispNaAsBlank val="1"/>
+        </c16r3:dataDisplayOptions16>
+      </c:ext>
+    </c:extLst>
+    <c:showDLblsOverMax val="0"/>
+  </c:chart>
+  <c:spPr>
+    <a:noFill/>
+    <a:ln>
+      <a:noFill/>
+    </a:ln>
+    <a:effectLst/>
+  </c:spPr>
+  <c:txPr>
+    <a:bodyPr/>
+    <a:lstStyle/>
+    <a:p>
+      <a:pPr>
+        <a:defRPr/>
+      </a:pPr>
+      <a:endParaRPr lang="en-US"/>
+    </a:p>
+  </c:txPr>
+  <c:externalData r:id="rId3">
+    <c:autoUpdate val="0"/>
+  </c:externalData>
+</c:chartSpace>
+</file>
+
+<file path=ppt/charts/chart3.xml><?xml version="1.0" encoding="utf-8"?>
+<c:chartSpace xmlns:c="http://schemas.openxmlformats.org/drawingml/2006/chart" xmlns:a="http://schemas.openxmlformats.org/drawingml/2006/main" xmlns:r="http://schemas.openxmlformats.org/officeDocument/2006/relationships" xmlns:c16r2="http://schemas.microsoft.com/office/drawing/2015/06/chart">
+  <c:date1904 val="0"/>
+  <c:lang val="en-US"/>
+  <c:roundedCorners val="0"/>
+  <mc:AlternateContent xmlns:mc="http://schemas.openxmlformats.org/markup-compatibility/2006">
+    <mc:Choice xmlns:c14="http://schemas.microsoft.com/office/drawing/2007/8/2/chart" Requires="c14">
+      <c14:style val="102"/>
+    </mc:Choice>
+    <mc:Fallback>
+      <c:style val="2"/>
+    </mc:Fallback>
+  </mc:AlternateContent>
+  <c:chart>
+    <c:title>
+      <c:tx>
+        <c:rich>
+          <a:bodyPr rot="0" spcFirstLastPara="1" vertOverflow="ellipsis" vert="horz" wrap="square" anchor="ctr" anchorCtr="1"/>
+          <a:lstStyle/>
+          <a:p>
+            <a:pPr>
+              <a:defRPr sz="1862" b="0" i="0" u="none" strike="noStrike" kern="1200" spc="0" baseline="0">
+                <a:solidFill>
+                  <a:schemeClr val="tx1">
+                    <a:lumMod val="65000"/>
+                    <a:lumOff val="35000"/>
+                  </a:schemeClr>
+                </a:solidFill>
+                <a:latin typeface="+mn-lt"/>
+                <a:ea typeface="+mn-ea"/>
+                <a:cs typeface="+mn-cs"/>
+              </a:defRPr>
+            </a:pPr>
+            <a:r>
+              <a:rPr lang="en-US" dirty="0"/>
+              <a:t>Median IBU</a:t>
+            </a:r>
+          </a:p>
+        </c:rich>
+      </c:tx>
+      <c:overlay val="0"/>
+      <c:spPr>
+        <a:noFill/>
+        <a:ln>
+          <a:noFill/>
+        </a:ln>
+        <a:effectLst/>
+      </c:spPr>
+      <c:txPr>
+        <a:bodyPr rot="0" spcFirstLastPara="1" vertOverflow="ellipsis" vert="horz" wrap="square" anchor="ctr" anchorCtr="1"/>
+        <a:lstStyle/>
+        <a:p>
+          <a:pPr>
+            <a:defRPr sz="1862" b="0" i="0" u="none" strike="noStrike" kern="1200" spc="0" baseline="0">
+              <a:solidFill>
+                <a:schemeClr val="tx1">
+                  <a:lumMod val="65000"/>
+                  <a:lumOff val="35000"/>
+                </a:schemeClr>
+              </a:solidFill>
+              <a:latin typeface="+mn-lt"/>
+              <a:ea typeface="+mn-ea"/>
+              <a:cs typeface="+mn-cs"/>
+            </a:defRPr>
+          </a:pPr>
+          <a:endParaRPr lang="en-US"/>
+        </a:p>
+      </c:txPr>
+    </c:title>
+    <c:autoTitleDeleted val="0"/>
+    <c:plotArea>
+      <c:layout/>
+      <c:barChart>
+        <c:barDir val="col"/>
+        <c:grouping val="clustered"/>
+        <c:varyColors val="0"/>
+        <c:ser>
+          <c:idx val="0"/>
+          <c:order val="0"/>
+          <c:tx>
+            <c:strRef>
+              <c:f>Sheet1!$B$1</c:f>
+              <c:strCache>
+                <c:ptCount val="1"/>
+                <c:pt idx="0">
+                  <c:v>IBU</c:v>
+                </c:pt>
+              </c:strCache>
+            </c:strRef>
+          </c:tx>
+          <c:spPr>
+            <a:solidFill>
+              <a:schemeClr val="accent1"/>
+            </a:solidFill>
+            <a:ln>
+              <a:noFill/>
+            </a:ln>
+            <a:effectLst/>
+          </c:spPr>
+          <c:invertIfNegative val="0"/>
+          <c:dLbls>
+            <c:dLbl>
+              <c:idx val="0"/>
+              <c:dLblPos val="outEnd"/>
+              <c:showLegendKey val="0"/>
+              <c:showVal val="1"/>
+              <c:showCatName val="0"/>
+              <c:showSerName val="0"/>
+              <c:showPercent val="0"/>
+              <c:showBubbleSize val="0"/>
+              <c:extLst>
+                <c:ext xmlns:c15="http://schemas.microsoft.com/office/drawing/2012/chart" uri="{CE6537A1-D6FC-4f65-9D91-7224C49458BB}"/>
+                <c:ext xmlns:c16="http://schemas.microsoft.com/office/drawing/2014/chart" uri="{C3380CC4-5D6E-409C-BE32-E72D297353CC}">
+                  <c16:uniqueId val="{00000003-90C9-4CB6-87F4-6449A1327139}"/>
+                </c:ext>
+              </c:extLst>
+            </c:dLbl>
+            <c:dLbl>
+              <c:idx val="49"/>
+              <c:dLblPos val="outEnd"/>
+              <c:showLegendKey val="0"/>
+              <c:showVal val="1"/>
+              <c:showCatName val="0"/>
+              <c:showSerName val="0"/>
+              <c:showPercent val="0"/>
+              <c:showBubbleSize val="0"/>
+              <c:extLst>
+                <c:ext xmlns:c15="http://schemas.microsoft.com/office/drawing/2012/chart" uri="{CE6537A1-D6FC-4f65-9D91-7224C49458BB}"/>
+                <c:ext xmlns:c16="http://schemas.microsoft.com/office/drawing/2014/chart" uri="{C3380CC4-5D6E-409C-BE32-E72D297353CC}">
+                  <c16:uniqueId val="{00000000-48AA-43C9-8C37-20E6577EFED4}"/>
+                </c:ext>
+              </c:extLst>
+            </c:dLbl>
+            <c:dLbl>
+              <c:idx val="50"/>
+              <c:dLblPos val="outEnd"/>
+              <c:showLegendKey val="0"/>
+              <c:showVal val="1"/>
+              <c:showCatName val="0"/>
+              <c:showSerName val="0"/>
+              <c:showPercent val="0"/>
+              <c:showBubbleSize val="0"/>
+              <c:extLst>
+                <c:ext xmlns:c15="http://schemas.microsoft.com/office/drawing/2012/chart" uri="{CE6537A1-D6FC-4f65-9D91-7224C49458BB}"/>
+                <c:ext xmlns:c16="http://schemas.microsoft.com/office/drawing/2014/chart" uri="{C3380CC4-5D6E-409C-BE32-E72D297353CC}">
+                  <c16:uniqueId val="{00000004-90C9-4CB6-87F4-6449A1327139}"/>
+                </c:ext>
+              </c:extLst>
+            </c:dLbl>
+            <c:spPr>
+              <a:noFill/>
+              <a:ln>
+                <a:noFill/>
+              </a:ln>
+              <a:effectLst/>
+            </c:spPr>
+            <c:txPr>
+              <a:bodyPr rot="0" spcFirstLastPara="1" vertOverflow="ellipsis" vert="horz" wrap="square" lIns="38100" tIns="19050" rIns="38100" bIns="19050" anchor="ctr" anchorCtr="1">
+                <a:spAutoFit/>
+              </a:bodyPr>
+              <a:lstStyle/>
+              <a:p>
+                <a:pPr>
+                  <a:defRPr sz="1197" b="0" i="0" u="none" strike="noStrike" kern="1200" baseline="0">
+                    <a:solidFill>
+                      <a:schemeClr val="tx1">
+                        <a:lumMod val="75000"/>
+                        <a:lumOff val="25000"/>
+                      </a:schemeClr>
+                    </a:solidFill>
+                    <a:latin typeface="+mn-lt"/>
+                    <a:ea typeface="+mn-ea"/>
+                    <a:cs typeface="+mn-cs"/>
+                  </a:defRPr>
+                </a:pPr>
+                <a:endParaRPr lang="en-US"/>
+              </a:p>
+            </c:txPr>
+            <c:dLblPos val="outEnd"/>
+            <c:showLegendKey val="0"/>
+            <c:showVal val="0"/>
+            <c:showCatName val="0"/>
+            <c:showSerName val="0"/>
+            <c:showPercent val="0"/>
+            <c:showBubbleSize val="0"/>
+            <c:extLst>
+              <c:ext xmlns:c15="http://schemas.microsoft.com/office/drawing/2012/chart" uri="{CE6537A1-D6FC-4f65-9D91-7224C49458BB}">
+                <c15:showLeaderLines val="1"/>
+                <c15:leaderLines>
+                  <c:spPr>
+                    <a:ln w="9525" cap="flat" cmpd="sng" algn="ctr">
+                      <a:solidFill>
+                        <a:schemeClr val="tx1">
+                          <a:lumMod val="35000"/>
+                          <a:lumOff val="65000"/>
+                        </a:schemeClr>
+                      </a:solidFill>
+                      <a:round/>
+                    </a:ln>
+                    <a:effectLst/>
+                  </c:spPr>
+                </c15:leaderLines>
+              </c:ext>
+            </c:extLst>
+          </c:dLbls>
+          <c:cat>
+            <c:strRef>
+              <c:f>Sheet1!$A$2:$A$52</c:f>
+              <c:strCache>
+                <c:ptCount val="50"/>
+                <c:pt idx="0">
+                  <c:v>ME</c:v>
+                </c:pt>
+                <c:pt idx="1">
+                  <c:v>WV</c:v>
+                </c:pt>
+                <c:pt idx="2">
+                  <c:v>FL</c:v>
+                </c:pt>
+                <c:pt idx="3">
+                  <c:v>GA</c:v>
+                </c:pt>
+                <c:pt idx="4">
+                  <c:v>DE</c:v>
+                </c:pt>
+                <c:pt idx="5">
+                  <c:v>NM</c:v>
+                </c:pt>
+                <c:pt idx="6">
+                  <c:v>NH</c:v>
+                </c:pt>
+                <c:pt idx="7">
+                  <c:v>DC</c:v>
+                </c:pt>
+                <c:pt idx="8">
+                  <c:v>NY</c:v>
+                </c:pt>
+                <c:pt idx="9">
+                  <c:v>AK</c:v>
+                </c:pt>
+                <c:pt idx="10">
+                  <c:v>MS</c:v>
+                </c:pt>
+                <c:pt idx="11">
+                  <c:v>MN</c:v>
+                </c:pt>
+                <c:pt idx="12">
+                  <c:v>AL</c:v>
+                </c:pt>
+                <c:pt idx="13">
+                  <c:v>CA</c:v>
+                </c:pt>
+                <c:pt idx="14">
+                  <c:v>VA</c:v>
+                </c:pt>
+                <c:pt idx="15">
+                  <c:v>NV</c:v>
+                </c:pt>
+                <c:pt idx="16">
+                  <c:v>CO</c:v>
+                </c:pt>
+                <c:pt idx="17">
+                  <c:v>MT</c:v>
+                </c:pt>
+                <c:pt idx="18">
+                  <c:v>OH</c:v>
+                </c:pt>
+                <c:pt idx="19">
+                  <c:v>OR</c:v>
+                </c:pt>
+                <c:pt idx="20">
+                  <c:v>AR</c:v>
+                </c:pt>
+                <c:pt idx="21">
+                  <c:v>ID</c:v>
+                </c:pt>
+                <c:pt idx="22">
+                  <c:v>WA</c:v>
+                </c:pt>
+                <c:pt idx="23">
+                  <c:v>TN</c:v>
+                </c:pt>
+                <c:pt idx="24">
+                  <c:v>MA</c:v>
+                </c:pt>
+                <c:pt idx="25">
+                  <c:v>MI</c:v>
+                </c:pt>
+                <c:pt idx="26">
+                  <c:v>NE</c:v>
+                </c:pt>
+                <c:pt idx="27">
+                  <c:v>OK</c:v>
+                </c:pt>
+                <c:pt idx="28">
+                  <c:v>NJ</c:v>
+                </c:pt>
+                <c:pt idx="29">
+                  <c:v>UT</c:v>
+                </c:pt>
+                <c:pt idx="30">
+                  <c:v>NC</c:v>
+                </c:pt>
+                <c:pt idx="31">
+                  <c:v>IN</c:v>
+                </c:pt>
+                <c:pt idx="32">
+                  <c:v>TX</c:v>
+                </c:pt>
+                <c:pt idx="33">
+                  <c:v>ND</c:v>
+                </c:pt>
+                <c:pt idx="34">
+                  <c:v>KY</c:v>
+                </c:pt>
+                <c:pt idx="35">
+                  <c:v>LA</c:v>
+                </c:pt>
+                <c:pt idx="36">
+                  <c:v>IL</c:v>
+                </c:pt>
+                <c:pt idx="37">
+                  <c:v>PA</c:v>
+                </c:pt>
+                <c:pt idx="38">
+                  <c:v>SC</c:v>
+                </c:pt>
+                <c:pt idx="39">
+                  <c:v>VT</c:v>
+                </c:pt>
+                <c:pt idx="40">
+                  <c:v>CT</c:v>
+                </c:pt>
+                <c:pt idx="41">
+                  <c:v>MD</c:v>
+                </c:pt>
+                <c:pt idx="42">
+                  <c:v>IA</c:v>
+                </c:pt>
+                <c:pt idx="43">
+                  <c:v>MO</c:v>
+                </c:pt>
+                <c:pt idx="44">
+                  <c:v>RI</c:v>
+                </c:pt>
+                <c:pt idx="45">
+                  <c:v>HI</c:v>
+                </c:pt>
+                <c:pt idx="46">
+                  <c:v>WY</c:v>
+                </c:pt>
+                <c:pt idx="47">
+                  <c:v>AZ</c:v>
+                </c:pt>
+                <c:pt idx="48">
+                  <c:v>KS</c:v>
+                </c:pt>
+                <c:pt idx="49">
+                  <c:v>WI</c:v>
+                </c:pt>
+              </c:strCache>
+            </c:strRef>
+          </c:cat>
+          <c:val>
+            <c:numRef>
+              <c:f>Sheet1!$B$2:$B$52</c:f>
+              <c:numCache>
+                <c:formatCode>0.0</c:formatCode>
+                <c:ptCount val="51"/>
+                <c:pt idx="0">
+                  <c:v>61</c:v>
+                </c:pt>
+                <c:pt idx="1">
+                  <c:v>57.5</c:v>
+                </c:pt>
+                <c:pt idx="2">
+                  <c:v>55</c:v>
+                </c:pt>
+                <c:pt idx="3">
+                  <c:v>55</c:v>
+                </c:pt>
+                <c:pt idx="4">
+                  <c:v>52</c:v>
+                </c:pt>
+                <c:pt idx="5">
+                  <c:v>51</c:v>
+                </c:pt>
+                <c:pt idx="6">
+                  <c:v>48.5</c:v>
+                </c:pt>
+                <c:pt idx="7">
+                  <c:v>47.5</c:v>
+                </c:pt>
+                <c:pt idx="8">
+                  <c:v>47</c:v>
+                </c:pt>
+                <c:pt idx="9">
+                  <c:v>46</c:v>
+                </c:pt>
+                <c:pt idx="10">
+                  <c:v>45</c:v>
+                </c:pt>
+                <c:pt idx="11">
+                  <c:v>44.5</c:v>
+                </c:pt>
+                <c:pt idx="12">
+                  <c:v>43</c:v>
+                </c:pt>
+                <c:pt idx="13">
+                  <c:v>42</c:v>
+                </c:pt>
+                <c:pt idx="14">
+                  <c:v>42</c:v>
+                </c:pt>
+                <c:pt idx="15">
+                  <c:v>41</c:v>
+                </c:pt>
+                <c:pt idx="16">
+                  <c:v>40</c:v>
+                </c:pt>
+                <c:pt idx="17">
+                  <c:v>40</c:v>
+                </c:pt>
+                <c:pt idx="18">
+                  <c:v>40</c:v>
+                </c:pt>
+                <c:pt idx="19">
+                  <c:v>40</c:v>
+                </c:pt>
+                <c:pt idx="20">
+                  <c:v>39</c:v>
+                </c:pt>
+                <c:pt idx="21">
+                  <c:v>39</c:v>
+                </c:pt>
+                <c:pt idx="22">
+                  <c:v>38</c:v>
+                </c:pt>
+                <c:pt idx="23">
+                  <c:v>37</c:v>
+                </c:pt>
+                <c:pt idx="24">
+                  <c:v>35</c:v>
+                </c:pt>
+                <c:pt idx="25">
+                  <c:v>35</c:v>
+                </c:pt>
+                <c:pt idx="26">
+                  <c:v>35</c:v>
+                </c:pt>
+                <c:pt idx="27">
+                  <c:v>35</c:v>
+                </c:pt>
+                <c:pt idx="28">
+                  <c:v>34.5</c:v>
+                </c:pt>
+                <c:pt idx="29">
+                  <c:v>34</c:v>
+                </c:pt>
+                <c:pt idx="30">
+                  <c:v>33.5</c:v>
+                </c:pt>
+                <c:pt idx="31">
+                  <c:v>33</c:v>
+                </c:pt>
+                <c:pt idx="32">
+                  <c:v>33</c:v>
+                </c:pt>
+                <c:pt idx="33">
+                  <c:v>32</c:v>
+                </c:pt>
+                <c:pt idx="34">
+                  <c:v>31.5</c:v>
+                </c:pt>
+                <c:pt idx="35">
+                  <c:v>31.5</c:v>
+                </c:pt>
+                <c:pt idx="36">
+                  <c:v>30</c:v>
+                </c:pt>
+                <c:pt idx="37">
+                  <c:v>30</c:v>
+                </c:pt>
+                <c:pt idx="38">
+                  <c:v>30</c:v>
+                </c:pt>
+                <c:pt idx="39">
+                  <c:v>30</c:v>
+                </c:pt>
+                <c:pt idx="40">
+                  <c:v>29</c:v>
+                </c:pt>
+                <c:pt idx="41">
+                  <c:v>29</c:v>
+                </c:pt>
+                <c:pt idx="42">
+                  <c:v>26</c:v>
+                </c:pt>
+                <c:pt idx="43">
+                  <c:v>24</c:v>
+                </c:pt>
+                <c:pt idx="44">
+                  <c:v>24</c:v>
+                </c:pt>
+                <c:pt idx="45">
+                  <c:v>22.5</c:v>
+                </c:pt>
+                <c:pt idx="46">
+                  <c:v>21</c:v>
+                </c:pt>
+                <c:pt idx="47">
+                  <c:v>20.5</c:v>
+                </c:pt>
+                <c:pt idx="48">
+                  <c:v>20</c:v>
+                </c:pt>
+                <c:pt idx="49">
+                  <c:v>19</c:v>
+                </c:pt>
+              </c:numCache>
+            </c:numRef>
+          </c:val>
+          <c:extLst>
+            <c:ext xmlns:c16="http://schemas.microsoft.com/office/drawing/2014/chart" uri="{C3380CC4-5D6E-409C-BE32-E72D297353CC}">
+              <c16:uniqueId val="{00000000-90C9-4CB6-87F4-6449A1327139}"/>
+            </c:ext>
+          </c:extLst>
+        </c:ser>
+        <c:dLbls>
+          <c:dLblPos val="outEnd"/>
+          <c:showLegendKey val="0"/>
+          <c:showVal val="0"/>
+          <c:showCatName val="0"/>
+          <c:showSerName val="0"/>
+          <c:showPercent val="0"/>
+          <c:showBubbleSize val="0"/>
+        </c:dLbls>
+        <c:gapWidth val="219"/>
+        <c:overlap val="-27"/>
+        <c:axId val="489020288"/>
+        <c:axId val="488776336"/>
+      </c:barChart>
+      <c:catAx>
+        <c:axId val="489020288"/>
+        <c:scaling>
+          <c:orientation val="minMax"/>
+        </c:scaling>
+        <c:delete val="0"/>
+        <c:axPos val="b"/>
+        <c:numFmt formatCode="General" sourceLinked="1"/>
+        <c:majorTickMark val="none"/>
+        <c:minorTickMark val="none"/>
+        <c:tickLblPos val="nextTo"/>
+        <c:spPr>
+          <a:noFill/>
+          <a:ln w="9525" cap="flat" cmpd="sng" algn="ctr">
+            <a:solidFill>
+              <a:schemeClr val="tx1">
+                <a:lumMod val="15000"/>
+                <a:lumOff val="85000"/>
+              </a:schemeClr>
+            </a:solidFill>
+            <a:round/>
+          </a:ln>
+          <a:effectLst/>
+        </c:spPr>
+        <c:txPr>
+          <a:bodyPr rot="-60000000" spcFirstLastPara="1" vertOverflow="ellipsis" vert="horz" wrap="square" anchor="ctr" anchorCtr="1"/>
+          <a:lstStyle/>
+          <a:p>
+            <a:pPr>
+              <a:defRPr sz="1197" b="0" i="0" u="none" strike="noStrike" kern="1200" baseline="0">
+                <a:solidFill>
+                  <a:schemeClr val="tx1">
+                    <a:lumMod val="65000"/>
+                    <a:lumOff val="35000"/>
+                  </a:schemeClr>
+                </a:solidFill>
+                <a:latin typeface="+mn-lt"/>
+                <a:ea typeface="+mn-ea"/>
+                <a:cs typeface="+mn-cs"/>
+              </a:defRPr>
+            </a:pPr>
+            <a:endParaRPr lang="en-US"/>
+          </a:p>
+        </c:txPr>
+        <c:crossAx val="488776336"/>
+        <c:crosses val="autoZero"/>
+        <c:auto val="1"/>
+        <c:lblAlgn val="ctr"/>
+        <c:lblOffset val="100"/>
+        <c:noMultiLvlLbl val="0"/>
+      </c:catAx>
+      <c:valAx>
+        <c:axId val="488776336"/>
+        <c:scaling>
+          <c:orientation val="minMax"/>
+        </c:scaling>
+        <c:delete val="0"/>
+        <c:axPos val="l"/>
+        <c:majorGridlines>
+          <c:spPr>
+            <a:ln w="9525" cap="flat" cmpd="sng" algn="ctr">
+              <a:solidFill>
+                <a:schemeClr val="tx1">
+                  <a:lumMod val="15000"/>
+                  <a:lumOff val="85000"/>
+                </a:schemeClr>
+              </a:solidFill>
+              <a:round/>
+            </a:ln>
+            <a:effectLst/>
+          </c:spPr>
+        </c:majorGridlines>
+        <c:numFmt formatCode="0.0" sourceLinked="1"/>
+        <c:majorTickMark val="none"/>
+        <c:minorTickMark val="none"/>
+        <c:tickLblPos val="nextTo"/>
+        <c:spPr>
+          <a:noFill/>
+          <a:ln>
+            <a:noFill/>
+          </a:ln>
+          <a:effectLst/>
+        </c:spPr>
+        <c:txPr>
+          <a:bodyPr rot="-60000000" spcFirstLastPara="1" vertOverflow="ellipsis" vert="horz" wrap="square" anchor="ctr" anchorCtr="1"/>
+          <a:lstStyle/>
+          <a:p>
+            <a:pPr>
+              <a:defRPr sz="1197" b="0" i="0" u="none" strike="noStrike" kern="1200" baseline="0">
+                <a:solidFill>
+                  <a:schemeClr val="tx1">
+                    <a:lumMod val="65000"/>
+                    <a:lumOff val="35000"/>
+                  </a:schemeClr>
+                </a:solidFill>
+                <a:latin typeface="+mn-lt"/>
+                <a:ea typeface="+mn-ea"/>
+                <a:cs typeface="+mn-cs"/>
+              </a:defRPr>
+            </a:pPr>
+            <a:endParaRPr lang="en-US"/>
+          </a:p>
+        </c:txPr>
+        <c:crossAx val="489020288"/>
+        <c:crosses val="autoZero"/>
+        <c:crossBetween val="between"/>
+      </c:valAx>
+      <c:spPr>
+        <a:noFill/>
+        <a:ln>
+          <a:noFill/>
+        </a:ln>
+        <a:effectLst/>
+      </c:spPr>
+    </c:plotArea>
+    <c:plotVisOnly val="1"/>
+    <c:dispBlanksAs val="gap"/>
+    <c:extLst>
+      <c:ext xmlns:c16r3="http://schemas.microsoft.com/office/drawing/2017/03/chart" uri="{56B9EC1D-385E-4148-901F-78D8002777C0}">
+        <c16r3:dataDisplayOptions16>
+          <c16r3:dispNaAsBlank val="1"/>
+        </c16r3:dataDisplayOptions16>
+      </c:ext>
+    </c:extLst>
+    <c:showDLblsOverMax val="0"/>
+  </c:chart>
+  <c:spPr>
+    <a:noFill/>
+    <a:ln>
+      <a:noFill/>
+    </a:ln>
+    <a:effectLst/>
+  </c:spPr>
+  <c:txPr>
+    <a:bodyPr/>
+    <a:lstStyle/>
+    <a:p>
+      <a:pPr>
+        <a:defRPr/>
+      </a:pPr>
+      <a:endParaRPr lang="en-US"/>
+    </a:p>
+  </c:txPr>
+  <c:externalData r:id="rId3">
+    <c:autoUpdate val="0"/>
+  </c:externalData>
+</c:chartSpace>
+</file>
+
 <file path=ppt/charts/colors1.xml><?xml version="1.0" encoding="utf-8"?>
+<cs:colorStyle xmlns:cs="http://schemas.microsoft.com/office/drawing/2012/chartStyle" xmlns:a="http://schemas.openxmlformats.org/drawingml/2006/main" meth="cycle" id="10">
+  <a:schemeClr val="accent1"/>
+  <a:schemeClr val="accent2"/>
+  <a:schemeClr val="accent3"/>
+  <a:schemeClr val="accent4"/>
+  <a:schemeClr val="accent5"/>
+  <a:schemeClr val="accent6"/>
+  <cs:variation/>
+  <cs:variation>
+    <a:lumMod val="60000"/>
+  </cs:variation>
+  <cs:variation>
+    <a:lumMod val="80000"/>
+    <a:lumOff val="20000"/>
+  </cs:variation>
+  <cs:variation>
+    <a:lumMod val="80000"/>
+  </cs:variation>
+  <cs:variation>
+    <a:lumMod val="60000"/>
+    <a:lumOff val="40000"/>
+  </cs:variation>
+  <cs:variation>
+    <a:lumMod val="50000"/>
+  </cs:variation>
+  <cs:variation>
+    <a:lumMod val="70000"/>
+    <a:lumOff val="30000"/>
+  </cs:variation>
+  <cs:variation>
+    <a:lumMod val="70000"/>
+  </cs:variation>
+  <cs:variation>
+    <a:lumMod val="50000"/>
+    <a:lumOff val="50000"/>
+  </cs:variation>
+</cs:colorStyle>
+</file>
+
+<file path=ppt/charts/colors2.xml><?xml version="1.0" encoding="utf-8"?>
+<cs:colorStyle xmlns:cs="http://schemas.microsoft.com/office/drawing/2012/chartStyle" xmlns:a="http://schemas.openxmlformats.org/drawingml/2006/main" meth="cycle" id="10">
+  <a:schemeClr val="accent1"/>
+  <a:schemeClr val="accent2"/>
+  <a:schemeClr val="accent3"/>
+  <a:schemeClr val="accent4"/>
+  <a:schemeClr val="accent5"/>
+  <a:schemeClr val="accent6"/>
+  <cs:variation/>
+  <cs:variation>
+    <a:lumMod val="60000"/>
+  </cs:variation>
+  <cs:variation>
+    <a:lumMod val="80000"/>
+    <a:lumOff val="20000"/>
+  </cs:variation>
+  <cs:variation>
+    <a:lumMod val="80000"/>
+  </cs:variation>
+  <cs:variation>
+    <a:lumMod val="60000"/>
+    <a:lumOff val="40000"/>
+  </cs:variation>
+  <cs:variation>
+    <a:lumMod val="50000"/>
+  </cs:variation>
+  <cs:variation>
+    <a:lumMod val="70000"/>
+    <a:lumOff val="30000"/>
+  </cs:variation>
+  <cs:variation>
+    <a:lumMod val="70000"/>
+  </cs:variation>
+  <cs:variation>
+    <a:lumMod val="50000"/>
+    <a:lumOff val="50000"/>
+  </cs:variation>
+</cs:colorStyle>
+</file>
+
+<file path=ppt/charts/colors3.xml><?xml version="1.0" encoding="utf-8"?>
 <cs:colorStyle xmlns:cs="http://schemas.microsoft.com/office/drawing/2012/chartStyle" xmlns:a="http://schemas.openxmlformats.org/drawingml/2006/main" meth="cycle" id="10">
   <a:schemeClr val="accent1"/>
   <a:schemeClr val="accent2"/>
@@ -1317,6 +2770,1012 @@
     <cs:fontRef idx="minor">
       <a:schemeClr val="tx2"/>
     </cs:fontRef>
+  </cs:wall>
+</cs:chartStyle>
+</file>
+
+<file path=ppt/charts/style2.xml><?xml version="1.0" encoding="utf-8"?>
+<cs:chartStyle xmlns:cs="http://schemas.microsoft.com/office/drawing/2012/chartStyle" xmlns:a="http://schemas.openxmlformats.org/drawingml/2006/main" id="201">
+  <cs:axisTitle>
+    <cs:lnRef idx="0"/>
+    <cs:fillRef idx="0"/>
+    <cs:effectRef idx="0"/>
+    <cs:fontRef idx="minor">
+      <a:schemeClr val="tx1">
+        <a:lumMod val="65000"/>
+        <a:lumOff val="35000"/>
+      </a:schemeClr>
+    </cs:fontRef>
+    <cs:defRPr sz="1330" kern="1200"/>
+  </cs:axisTitle>
+  <cs:categoryAxis>
+    <cs:lnRef idx="0"/>
+    <cs:fillRef idx="0"/>
+    <cs:effectRef idx="0"/>
+    <cs:fontRef idx="minor">
+      <a:schemeClr val="tx1">
+        <a:lumMod val="65000"/>
+        <a:lumOff val="35000"/>
+      </a:schemeClr>
+    </cs:fontRef>
+    <cs:spPr>
+      <a:ln w="9525" cap="flat" cmpd="sng" algn="ctr">
+        <a:solidFill>
+          <a:schemeClr val="tx1">
+            <a:lumMod val="15000"/>
+            <a:lumOff val="85000"/>
+          </a:schemeClr>
+        </a:solidFill>
+        <a:round/>
+      </a:ln>
+    </cs:spPr>
+    <cs:defRPr sz="1197" kern="1200"/>
+  </cs:categoryAxis>
+  <cs:chartArea mods="allowNoFillOverride allowNoLineOverride">
+    <cs:lnRef idx="0"/>
+    <cs:fillRef idx="0"/>
+    <cs:effectRef idx="0"/>
+    <cs:fontRef idx="minor">
+      <a:schemeClr val="tx1"/>
+    </cs:fontRef>
+    <cs:spPr>
+      <a:solidFill>
+        <a:schemeClr val="bg1"/>
+      </a:solidFill>
+      <a:ln w="9525" cap="flat" cmpd="sng" algn="ctr">
+        <a:solidFill>
+          <a:schemeClr val="tx1">
+            <a:lumMod val="15000"/>
+            <a:lumOff val="85000"/>
+          </a:schemeClr>
+        </a:solidFill>
+        <a:round/>
+      </a:ln>
+    </cs:spPr>
+    <cs:defRPr sz="1330" kern="1200"/>
+  </cs:chartArea>
+  <cs:dataLabel>
+    <cs:lnRef idx="0"/>
+    <cs:fillRef idx="0"/>
+    <cs:effectRef idx="0"/>
+    <cs:fontRef idx="minor">
+      <a:schemeClr val="tx1">
+        <a:lumMod val="75000"/>
+        <a:lumOff val="25000"/>
+      </a:schemeClr>
+    </cs:fontRef>
+    <cs:defRPr sz="1197" kern="1200"/>
+  </cs:dataLabel>
+  <cs:dataLabelCallout>
+    <cs:lnRef idx="0"/>
+    <cs:fillRef idx="0"/>
+    <cs:effectRef idx="0"/>
+    <cs:fontRef idx="minor">
+      <a:schemeClr val="dk1">
+        <a:lumMod val="65000"/>
+        <a:lumOff val="35000"/>
+      </a:schemeClr>
+    </cs:fontRef>
+    <cs:spPr>
+      <a:solidFill>
+        <a:schemeClr val="lt1"/>
+      </a:solidFill>
+      <a:ln>
+        <a:solidFill>
+          <a:schemeClr val="dk1">
+            <a:lumMod val="25000"/>
+            <a:lumOff val="75000"/>
+          </a:schemeClr>
+        </a:solidFill>
+      </a:ln>
+    </cs:spPr>
+    <cs:defRPr sz="1197" kern="1200"/>
+    <cs:bodyPr rot="0" spcFirstLastPara="1" vertOverflow="clip" horzOverflow="clip" vert="horz" wrap="square" lIns="36576" tIns="18288" rIns="36576" bIns="18288" anchor="ctr" anchorCtr="1">
+      <a:spAutoFit/>
+    </cs:bodyPr>
+  </cs:dataLabelCallout>
+  <cs:dataPoint>
+    <cs:lnRef idx="0"/>
+    <cs:fillRef idx="1">
+      <cs:styleClr val="auto"/>
+    </cs:fillRef>
+    <cs:effectRef idx="0"/>
+    <cs:fontRef idx="minor">
+      <a:schemeClr val="tx1"/>
+    </cs:fontRef>
+  </cs:dataPoint>
+  <cs:dataPoint3D>
+    <cs:lnRef idx="0"/>
+    <cs:fillRef idx="1">
+      <cs:styleClr val="auto"/>
+    </cs:fillRef>
+    <cs:effectRef idx="0"/>
+    <cs:fontRef idx="minor">
+      <a:schemeClr val="tx1"/>
+    </cs:fontRef>
+  </cs:dataPoint3D>
+  <cs:dataPointLine>
+    <cs:lnRef idx="0">
+      <cs:styleClr val="auto"/>
+    </cs:lnRef>
+    <cs:fillRef idx="1"/>
+    <cs:effectRef idx="0"/>
+    <cs:fontRef idx="minor">
+      <a:schemeClr val="tx1"/>
+    </cs:fontRef>
+    <cs:spPr>
+      <a:ln w="28575" cap="rnd">
+        <a:solidFill>
+          <a:schemeClr val="phClr"/>
+        </a:solidFill>
+        <a:round/>
+      </a:ln>
+    </cs:spPr>
+  </cs:dataPointLine>
+  <cs:dataPointMarker>
+    <cs:lnRef idx="0">
+      <cs:styleClr val="auto"/>
+    </cs:lnRef>
+    <cs:fillRef idx="1">
+      <cs:styleClr val="auto"/>
+    </cs:fillRef>
+    <cs:effectRef idx="0"/>
+    <cs:fontRef idx="minor">
+      <a:schemeClr val="tx1"/>
+    </cs:fontRef>
+    <cs:spPr>
+      <a:ln w="9525">
+        <a:solidFill>
+          <a:schemeClr val="phClr"/>
+        </a:solidFill>
+      </a:ln>
+    </cs:spPr>
+  </cs:dataPointMarker>
+  <cs:dataPointMarkerLayout symbol="circle" size="5"/>
+  <cs:dataPointWireframe>
+    <cs:lnRef idx="0">
+      <cs:styleClr val="auto"/>
+    </cs:lnRef>
+    <cs:fillRef idx="1"/>
+    <cs:effectRef idx="0"/>
+    <cs:fontRef idx="minor">
+      <a:schemeClr val="tx1"/>
+    </cs:fontRef>
+    <cs:spPr>
+      <a:ln w="9525" cap="rnd">
+        <a:solidFill>
+          <a:schemeClr val="phClr"/>
+        </a:solidFill>
+        <a:round/>
+      </a:ln>
+    </cs:spPr>
+  </cs:dataPointWireframe>
+  <cs:dataTable>
+    <cs:lnRef idx="0"/>
+    <cs:fillRef idx="0"/>
+    <cs:effectRef idx="0"/>
+    <cs:fontRef idx="minor">
+      <a:schemeClr val="tx1">
+        <a:lumMod val="65000"/>
+        <a:lumOff val="35000"/>
+      </a:schemeClr>
+    </cs:fontRef>
+    <cs:spPr>
+      <a:noFill/>
+      <a:ln w="9525" cap="flat" cmpd="sng" algn="ctr">
+        <a:solidFill>
+          <a:schemeClr val="tx1">
+            <a:lumMod val="15000"/>
+            <a:lumOff val="85000"/>
+          </a:schemeClr>
+        </a:solidFill>
+        <a:round/>
+      </a:ln>
+    </cs:spPr>
+    <cs:defRPr sz="1197" kern="1200"/>
+  </cs:dataTable>
+  <cs:downBar>
+    <cs:lnRef idx="0"/>
+    <cs:fillRef idx="0"/>
+    <cs:effectRef idx="0"/>
+    <cs:fontRef idx="minor">
+      <a:schemeClr val="dk1"/>
+    </cs:fontRef>
+    <cs:spPr>
+      <a:solidFill>
+        <a:schemeClr val="dk1">
+          <a:lumMod val="65000"/>
+          <a:lumOff val="35000"/>
+        </a:schemeClr>
+      </a:solidFill>
+      <a:ln w="9525">
+        <a:solidFill>
+          <a:schemeClr val="tx1">
+            <a:lumMod val="65000"/>
+            <a:lumOff val="35000"/>
+          </a:schemeClr>
+        </a:solidFill>
+      </a:ln>
+    </cs:spPr>
+  </cs:downBar>
+  <cs:dropLine>
+    <cs:lnRef idx="0"/>
+    <cs:fillRef idx="0"/>
+    <cs:effectRef idx="0"/>
+    <cs:fontRef idx="minor">
+      <a:schemeClr val="tx1"/>
+    </cs:fontRef>
+    <cs:spPr>
+      <a:ln w="9525" cap="flat" cmpd="sng" algn="ctr">
+        <a:solidFill>
+          <a:schemeClr val="tx1">
+            <a:lumMod val="35000"/>
+            <a:lumOff val="65000"/>
+          </a:schemeClr>
+        </a:solidFill>
+        <a:round/>
+      </a:ln>
+    </cs:spPr>
+  </cs:dropLine>
+  <cs:errorBar>
+    <cs:lnRef idx="0"/>
+    <cs:fillRef idx="0"/>
+    <cs:effectRef idx="0"/>
+    <cs:fontRef idx="minor">
+      <a:schemeClr val="tx1"/>
+    </cs:fontRef>
+    <cs:spPr>
+      <a:ln w="9525" cap="flat" cmpd="sng" algn="ctr">
+        <a:solidFill>
+          <a:schemeClr val="tx1">
+            <a:lumMod val="65000"/>
+            <a:lumOff val="35000"/>
+          </a:schemeClr>
+        </a:solidFill>
+        <a:round/>
+      </a:ln>
+    </cs:spPr>
+  </cs:errorBar>
+  <cs:floor>
+    <cs:lnRef idx="0"/>
+    <cs:fillRef idx="0"/>
+    <cs:effectRef idx="0"/>
+    <cs:fontRef idx="minor">
+      <a:schemeClr val="tx1"/>
+    </cs:fontRef>
+    <cs:spPr>
+      <a:noFill/>
+      <a:ln>
+        <a:noFill/>
+      </a:ln>
+    </cs:spPr>
+  </cs:floor>
+  <cs:gridlineMajor>
+    <cs:lnRef idx="0"/>
+    <cs:fillRef idx="0"/>
+    <cs:effectRef idx="0"/>
+    <cs:fontRef idx="minor">
+      <a:schemeClr val="tx1"/>
+    </cs:fontRef>
+    <cs:spPr>
+      <a:ln w="9525" cap="flat" cmpd="sng" algn="ctr">
+        <a:solidFill>
+          <a:schemeClr val="tx1">
+            <a:lumMod val="15000"/>
+            <a:lumOff val="85000"/>
+          </a:schemeClr>
+        </a:solidFill>
+        <a:round/>
+      </a:ln>
+    </cs:spPr>
+  </cs:gridlineMajor>
+  <cs:gridlineMinor>
+    <cs:lnRef idx="0"/>
+    <cs:fillRef idx="0"/>
+    <cs:effectRef idx="0"/>
+    <cs:fontRef idx="minor">
+      <a:schemeClr val="tx1"/>
+    </cs:fontRef>
+    <cs:spPr>
+      <a:ln w="9525" cap="flat" cmpd="sng" algn="ctr">
+        <a:solidFill>
+          <a:schemeClr val="tx1">
+            <a:lumMod val="5000"/>
+            <a:lumOff val="95000"/>
+          </a:schemeClr>
+        </a:solidFill>
+        <a:round/>
+      </a:ln>
+    </cs:spPr>
+  </cs:gridlineMinor>
+  <cs:hiLoLine>
+    <cs:lnRef idx="0"/>
+    <cs:fillRef idx="0"/>
+    <cs:effectRef idx="0"/>
+    <cs:fontRef idx="minor">
+      <a:schemeClr val="tx1"/>
+    </cs:fontRef>
+    <cs:spPr>
+      <a:ln w="9525" cap="flat" cmpd="sng" algn="ctr">
+        <a:solidFill>
+          <a:schemeClr val="tx1">
+            <a:lumMod val="75000"/>
+            <a:lumOff val="25000"/>
+          </a:schemeClr>
+        </a:solidFill>
+        <a:round/>
+      </a:ln>
+    </cs:spPr>
+  </cs:hiLoLine>
+  <cs:leaderLine>
+    <cs:lnRef idx="0"/>
+    <cs:fillRef idx="0"/>
+    <cs:effectRef idx="0"/>
+    <cs:fontRef idx="minor">
+      <a:schemeClr val="tx1"/>
+    </cs:fontRef>
+    <cs:spPr>
+      <a:ln w="9525" cap="flat" cmpd="sng" algn="ctr">
+        <a:solidFill>
+          <a:schemeClr val="tx1">
+            <a:lumMod val="35000"/>
+            <a:lumOff val="65000"/>
+          </a:schemeClr>
+        </a:solidFill>
+        <a:round/>
+      </a:ln>
+    </cs:spPr>
+  </cs:leaderLine>
+  <cs:legend>
+    <cs:lnRef idx="0"/>
+    <cs:fillRef idx="0"/>
+    <cs:effectRef idx="0"/>
+    <cs:fontRef idx="minor">
+      <a:schemeClr val="tx1">
+        <a:lumMod val="65000"/>
+        <a:lumOff val="35000"/>
+      </a:schemeClr>
+    </cs:fontRef>
+    <cs:defRPr sz="1197" kern="1200"/>
+  </cs:legend>
+  <cs:plotArea mods="allowNoFillOverride allowNoLineOverride">
+    <cs:lnRef idx="0"/>
+    <cs:fillRef idx="0"/>
+    <cs:effectRef idx="0"/>
+    <cs:fontRef idx="minor">
+      <a:schemeClr val="tx1"/>
+    </cs:fontRef>
+  </cs:plotArea>
+  <cs:plotArea3D mods="allowNoFillOverride allowNoLineOverride">
+    <cs:lnRef idx="0"/>
+    <cs:fillRef idx="0"/>
+    <cs:effectRef idx="0"/>
+    <cs:fontRef idx="minor">
+      <a:schemeClr val="tx1"/>
+    </cs:fontRef>
+  </cs:plotArea3D>
+  <cs:seriesAxis>
+    <cs:lnRef idx="0"/>
+    <cs:fillRef idx="0"/>
+    <cs:effectRef idx="0"/>
+    <cs:fontRef idx="minor">
+      <a:schemeClr val="tx1">
+        <a:lumMod val="65000"/>
+        <a:lumOff val="35000"/>
+      </a:schemeClr>
+    </cs:fontRef>
+    <cs:defRPr sz="1197" kern="1200"/>
+  </cs:seriesAxis>
+  <cs:seriesLine>
+    <cs:lnRef idx="0"/>
+    <cs:fillRef idx="0"/>
+    <cs:effectRef idx="0"/>
+    <cs:fontRef idx="minor">
+      <a:schemeClr val="tx1"/>
+    </cs:fontRef>
+    <cs:spPr>
+      <a:ln w="9525" cap="flat" cmpd="sng" algn="ctr">
+        <a:solidFill>
+          <a:schemeClr val="tx1">
+            <a:lumMod val="35000"/>
+            <a:lumOff val="65000"/>
+          </a:schemeClr>
+        </a:solidFill>
+        <a:round/>
+      </a:ln>
+    </cs:spPr>
+  </cs:seriesLine>
+  <cs:title>
+    <cs:lnRef idx="0"/>
+    <cs:fillRef idx="0"/>
+    <cs:effectRef idx="0"/>
+    <cs:fontRef idx="minor">
+      <a:schemeClr val="tx1">
+        <a:lumMod val="65000"/>
+        <a:lumOff val="35000"/>
+      </a:schemeClr>
+    </cs:fontRef>
+    <cs:defRPr sz="1862" b="0" kern="1200" spc="0" baseline="0"/>
+  </cs:title>
+  <cs:trendline>
+    <cs:lnRef idx="0">
+      <cs:styleClr val="auto"/>
+    </cs:lnRef>
+    <cs:fillRef idx="0"/>
+    <cs:effectRef idx="0"/>
+    <cs:fontRef idx="minor">
+      <a:schemeClr val="tx1"/>
+    </cs:fontRef>
+    <cs:spPr>
+      <a:ln w="19050" cap="rnd">
+        <a:solidFill>
+          <a:schemeClr val="phClr"/>
+        </a:solidFill>
+        <a:prstDash val="sysDot"/>
+      </a:ln>
+    </cs:spPr>
+  </cs:trendline>
+  <cs:trendlineLabel>
+    <cs:lnRef idx="0"/>
+    <cs:fillRef idx="0"/>
+    <cs:effectRef idx="0"/>
+    <cs:fontRef idx="minor">
+      <a:schemeClr val="tx1">
+        <a:lumMod val="65000"/>
+        <a:lumOff val="35000"/>
+      </a:schemeClr>
+    </cs:fontRef>
+    <cs:defRPr sz="1197" kern="1200"/>
+  </cs:trendlineLabel>
+  <cs:upBar>
+    <cs:lnRef idx="0"/>
+    <cs:fillRef idx="0"/>
+    <cs:effectRef idx="0"/>
+    <cs:fontRef idx="minor">
+      <a:schemeClr val="dk1"/>
+    </cs:fontRef>
+    <cs:spPr>
+      <a:solidFill>
+        <a:schemeClr val="lt1"/>
+      </a:solidFill>
+      <a:ln w="9525">
+        <a:solidFill>
+          <a:schemeClr val="tx1">
+            <a:lumMod val="15000"/>
+            <a:lumOff val="85000"/>
+          </a:schemeClr>
+        </a:solidFill>
+      </a:ln>
+    </cs:spPr>
+  </cs:upBar>
+  <cs:valueAxis>
+    <cs:lnRef idx="0"/>
+    <cs:fillRef idx="0"/>
+    <cs:effectRef idx="0"/>
+    <cs:fontRef idx="minor">
+      <a:schemeClr val="tx1">
+        <a:lumMod val="65000"/>
+        <a:lumOff val="35000"/>
+      </a:schemeClr>
+    </cs:fontRef>
+    <cs:defRPr sz="1197" kern="1200"/>
+  </cs:valueAxis>
+  <cs:wall>
+    <cs:lnRef idx="0"/>
+    <cs:fillRef idx="0"/>
+    <cs:effectRef idx="0"/>
+    <cs:fontRef idx="minor">
+      <a:schemeClr val="tx1"/>
+    </cs:fontRef>
+    <cs:spPr>
+      <a:noFill/>
+      <a:ln>
+        <a:noFill/>
+      </a:ln>
+    </cs:spPr>
+  </cs:wall>
+</cs:chartStyle>
+</file>
+
+<file path=ppt/charts/style3.xml><?xml version="1.0" encoding="utf-8"?>
+<cs:chartStyle xmlns:cs="http://schemas.microsoft.com/office/drawing/2012/chartStyle" xmlns:a="http://schemas.openxmlformats.org/drawingml/2006/main" id="201">
+  <cs:axisTitle>
+    <cs:lnRef idx="0"/>
+    <cs:fillRef idx="0"/>
+    <cs:effectRef idx="0"/>
+    <cs:fontRef idx="minor">
+      <a:schemeClr val="tx1">
+        <a:lumMod val="65000"/>
+        <a:lumOff val="35000"/>
+      </a:schemeClr>
+    </cs:fontRef>
+    <cs:defRPr sz="1330" kern="1200"/>
+  </cs:axisTitle>
+  <cs:categoryAxis>
+    <cs:lnRef idx="0"/>
+    <cs:fillRef idx="0"/>
+    <cs:effectRef idx="0"/>
+    <cs:fontRef idx="minor">
+      <a:schemeClr val="tx1">
+        <a:lumMod val="65000"/>
+        <a:lumOff val="35000"/>
+      </a:schemeClr>
+    </cs:fontRef>
+    <cs:spPr>
+      <a:ln w="9525" cap="flat" cmpd="sng" algn="ctr">
+        <a:solidFill>
+          <a:schemeClr val="tx1">
+            <a:lumMod val="15000"/>
+            <a:lumOff val="85000"/>
+          </a:schemeClr>
+        </a:solidFill>
+        <a:round/>
+      </a:ln>
+    </cs:spPr>
+    <cs:defRPr sz="1197" kern="1200"/>
+  </cs:categoryAxis>
+  <cs:chartArea mods="allowNoFillOverride allowNoLineOverride">
+    <cs:lnRef idx="0"/>
+    <cs:fillRef idx="0"/>
+    <cs:effectRef idx="0"/>
+    <cs:fontRef idx="minor">
+      <a:schemeClr val="tx1"/>
+    </cs:fontRef>
+    <cs:spPr>
+      <a:solidFill>
+        <a:schemeClr val="bg1"/>
+      </a:solidFill>
+      <a:ln w="9525" cap="flat" cmpd="sng" algn="ctr">
+        <a:solidFill>
+          <a:schemeClr val="tx1">
+            <a:lumMod val="15000"/>
+            <a:lumOff val="85000"/>
+          </a:schemeClr>
+        </a:solidFill>
+        <a:round/>
+      </a:ln>
+    </cs:spPr>
+    <cs:defRPr sz="1330" kern="1200"/>
+  </cs:chartArea>
+  <cs:dataLabel>
+    <cs:lnRef idx="0"/>
+    <cs:fillRef idx="0"/>
+    <cs:effectRef idx="0"/>
+    <cs:fontRef idx="minor">
+      <a:schemeClr val="tx1">
+        <a:lumMod val="75000"/>
+        <a:lumOff val="25000"/>
+      </a:schemeClr>
+    </cs:fontRef>
+    <cs:defRPr sz="1197" kern="1200"/>
+  </cs:dataLabel>
+  <cs:dataLabelCallout>
+    <cs:lnRef idx="0"/>
+    <cs:fillRef idx="0"/>
+    <cs:effectRef idx="0"/>
+    <cs:fontRef idx="minor">
+      <a:schemeClr val="dk1">
+        <a:lumMod val="65000"/>
+        <a:lumOff val="35000"/>
+      </a:schemeClr>
+    </cs:fontRef>
+    <cs:spPr>
+      <a:solidFill>
+        <a:schemeClr val="lt1"/>
+      </a:solidFill>
+      <a:ln>
+        <a:solidFill>
+          <a:schemeClr val="dk1">
+            <a:lumMod val="25000"/>
+            <a:lumOff val="75000"/>
+          </a:schemeClr>
+        </a:solidFill>
+      </a:ln>
+    </cs:spPr>
+    <cs:defRPr sz="1197" kern="1200"/>
+    <cs:bodyPr rot="0" spcFirstLastPara="1" vertOverflow="clip" horzOverflow="clip" vert="horz" wrap="square" lIns="36576" tIns="18288" rIns="36576" bIns="18288" anchor="ctr" anchorCtr="1">
+      <a:spAutoFit/>
+    </cs:bodyPr>
+  </cs:dataLabelCallout>
+  <cs:dataPoint>
+    <cs:lnRef idx="0"/>
+    <cs:fillRef idx="1">
+      <cs:styleClr val="auto"/>
+    </cs:fillRef>
+    <cs:effectRef idx="0"/>
+    <cs:fontRef idx="minor">
+      <a:schemeClr val="tx1"/>
+    </cs:fontRef>
+  </cs:dataPoint>
+  <cs:dataPoint3D>
+    <cs:lnRef idx="0"/>
+    <cs:fillRef idx="1">
+      <cs:styleClr val="auto"/>
+    </cs:fillRef>
+    <cs:effectRef idx="0"/>
+    <cs:fontRef idx="minor">
+      <a:schemeClr val="tx1"/>
+    </cs:fontRef>
+  </cs:dataPoint3D>
+  <cs:dataPointLine>
+    <cs:lnRef idx="0">
+      <cs:styleClr val="auto"/>
+    </cs:lnRef>
+    <cs:fillRef idx="1"/>
+    <cs:effectRef idx="0"/>
+    <cs:fontRef idx="minor">
+      <a:schemeClr val="tx1"/>
+    </cs:fontRef>
+    <cs:spPr>
+      <a:ln w="28575" cap="rnd">
+        <a:solidFill>
+          <a:schemeClr val="phClr"/>
+        </a:solidFill>
+        <a:round/>
+      </a:ln>
+    </cs:spPr>
+  </cs:dataPointLine>
+  <cs:dataPointMarker>
+    <cs:lnRef idx="0">
+      <cs:styleClr val="auto"/>
+    </cs:lnRef>
+    <cs:fillRef idx="1">
+      <cs:styleClr val="auto"/>
+    </cs:fillRef>
+    <cs:effectRef idx="0"/>
+    <cs:fontRef idx="minor">
+      <a:schemeClr val="tx1"/>
+    </cs:fontRef>
+    <cs:spPr>
+      <a:ln w="9525">
+        <a:solidFill>
+          <a:schemeClr val="phClr"/>
+        </a:solidFill>
+      </a:ln>
+    </cs:spPr>
+  </cs:dataPointMarker>
+  <cs:dataPointMarkerLayout symbol="circle" size="5"/>
+  <cs:dataPointWireframe>
+    <cs:lnRef idx="0">
+      <cs:styleClr val="auto"/>
+    </cs:lnRef>
+    <cs:fillRef idx="1"/>
+    <cs:effectRef idx="0"/>
+    <cs:fontRef idx="minor">
+      <a:schemeClr val="tx1"/>
+    </cs:fontRef>
+    <cs:spPr>
+      <a:ln w="9525" cap="rnd">
+        <a:solidFill>
+          <a:schemeClr val="phClr"/>
+        </a:solidFill>
+        <a:round/>
+      </a:ln>
+    </cs:spPr>
+  </cs:dataPointWireframe>
+  <cs:dataTable>
+    <cs:lnRef idx="0"/>
+    <cs:fillRef idx="0"/>
+    <cs:effectRef idx="0"/>
+    <cs:fontRef idx="minor">
+      <a:schemeClr val="tx1">
+        <a:lumMod val="65000"/>
+        <a:lumOff val="35000"/>
+      </a:schemeClr>
+    </cs:fontRef>
+    <cs:spPr>
+      <a:noFill/>
+      <a:ln w="9525" cap="flat" cmpd="sng" algn="ctr">
+        <a:solidFill>
+          <a:schemeClr val="tx1">
+            <a:lumMod val="15000"/>
+            <a:lumOff val="85000"/>
+          </a:schemeClr>
+        </a:solidFill>
+        <a:round/>
+      </a:ln>
+    </cs:spPr>
+    <cs:defRPr sz="1197" kern="1200"/>
+  </cs:dataTable>
+  <cs:downBar>
+    <cs:lnRef idx="0"/>
+    <cs:fillRef idx="0"/>
+    <cs:effectRef idx="0"/>
+    <cs:fontRef idx="minor">
+      <a:schemeClr val="dk1"/>
+    </cs:fontRef>
+    <cs:spPr>
+      <a:solidFill>
+        <a:schemeClr val="dk1">
+          <a:lumMod val="65000"/>
+          <a:lumOff val="35000"/>
+        </a:schemeClr>
+      </a:solidFill>
+      <a:ln w="9525">
+        <a:solidFill>
+          <a:schemeClr val="tx1">
+            <a:lumMod val="65000"/>
+            <a:lumOff val="35000"/>
+          </a:schemeClr>
+        </a:solidFill>
+      </a:ln>
+    </cs:spPr>
+  </cs:downBar>
+  <cs:dropLine>
+    <cs:lnRef idx="0"/>
+    <cs:fillRef idx="0"/>
+    <cs:effectRef idx="0"/>
+    <cs:fontRef idx="minor">
+      <a:schemeClr val="tx1"/>
+    </cs:fontRef>
+    <cs:spPr>
+      <a:ln w="9525" cap="flat" cmpd="sng" algn="ctr">
+        <a:solidFill>
+          <a:schemeClr val="tx1">
+            <a:lumMod val="35000"/>
+            <a:lumOff val="65000"/>
+          </a:schemeClr>
+        </a:solidFill>
+        <a:round/>
+      </a:ln>
+    </cs:spPr>
+  </cs:dropLine>
+  <cs:errorBar>
+    <cs:lnRef idx="0"/>
+    <cs:fillRef idx="0"/>
+    <cs:effectRef idx="0"/>
+    <cs:fontRef idx="minor">
+      <a:schemeClr val="tx1"/>
+    </cs:fontRef>
+    <cs:spPr>
+      <a:ln w="9525" cap="flat" cmpd="sng" algn="ctr">
+        <a:solidFill>
+          <a:schemeClr val="tx1">
+            <a:lumMod val="65000"/>
+            <a:lumOff val="35000"/>
+          </a:schemeClr>
+        </a:solidFill>
+        <a:round/>
+      </a:ln>
+    </cs:spPr>
+  </cs:errorBar>
+  <cs:floor>
+    <cs:lnRef idx="0"/>
+    <cs:fillRef idx="0"/>
+    <cs:effectRef idx="0"/>
+    <cs:fontRef idx="minor">
+      <a:schemeClr val="tx1"/>
+    </cs:fontRef>
+    <cs:spPr>
+      <a:noFill/>
+      <a:ln>
+        <a:noFill/>
+      </a:ln>
+    </cs:spPr>
+  </cs:floor>
+  <cs:gridlineMajor>
+    <cs:lnRef idx="0"/>
+    <cs:fillRef idx="0"/>
+    <cs:effectRef idx="0"/>
+    <cs:fontRef idx="minor">
+      <a:schemeClr val="tx1"/>
+    </cs:fontRef>
+    <cs:spPr>
+      <a:ln w="9525" cap="flat" cmpd="sng" algn="ctr">
+        <a:solidFill>
+          <a:schemeClr val="tx1">
+            <a:lumMod val="15000"/>
+            <a:lumOff val="85000"/>
+          </a:schemeClr>
+        </a:solidFill>
+        <a:round/>
+      </a:ln>
+    </cs:spPr>
+  </cs:gridlineMajor>
+  <cs:gridlineMinor>
+    <cs:lnRef idx="0"/>
+    <cs:fillRef idx="0"/>
+    <cs:effectRef idx="0"/>
+    <cs:fontRef idx="minor">
+      <a:schemeClr val="tx1"/>
+    </cs:fontRef>
+    <cs:spPr>
+      <a:ln w="9525" cap="flat" cmpd="sng" algn="ctr">
+        <a:solidFill>
+          <a:schemeClr val="tx1">
+            <a:lumMod val="5000"/>
+            <a:lumOff val="95000"/>
+          </a:schemeClr>
+        </a:solidFill>
+        <a:round/>
+      </a:ln>
+    </cs:spPr>
+  </cs:gridlineMinor>
+  <cs:hiLoLine>
+    <cs:lnRef idx="0"/>
+    <cs:fillRef idx="0"/>
+    <cs:effectRef idx="0"/>
+    <cs:fontRef idx="minor">
+      <a:schemeClr val="tx1"/>
+    </cs:fontRef>
+    <cs:spPr>
+      <a:ln w="9525" cap="flat" cmpd="sng" algn="ctr">
+        <a:solidFill>
+          <a:schemeClr val="tx1">
+            <a:lumMod val="75000"/>
+            <a:lumOff val="25000"/>
+          </a:schemeClr>
+        </a:solidFill>
+        <a:round/>
+      </a:ln>
+    </cs:spPr>
+  </cs:hiLoLine>
+  <cs:leaderLine>
+    <cs:lnRef idx="0"/>
+    <cs:fillRef idx="0"/>
+    <cs:effectRef idx="0"/>
+    <cs:fontRef idx="minor">
+      <a:schemeClr val="tx1"/>
+    </cs:fontRef>
+    <cs:spPr>
+      <a:ln w="9525" cap="flat" cmpd="sng" algn="ctr">
+        <a:solidFill>
+          <a:schemeClr val="tx1">
+            <a:lumMod val="35000"/>
+            <a:lumOff val="65000"/>
+          </a:schemeClr>
+        </a:solidFill>
+        <a:round/>
+      </a:ln>
+    </cs:spPr>
+  </cs:leaderLine>
+  <cs:legend>
+    <cs:lnRef idx="0"/>
+    <cs:fillRef idx="0"/>
+    <cs:effectRef idx="0"/>
+    <cs:fontRef idx="minor">
+      <a:schemeClr val="tx1">
+        <a:lumMod val="65000"/>
+        <a:lumOff val="35000"/>
+      </a:schemeClr>
+    </cs:fontRef>
+    <cs:defRPr sz="1197" kern="1200"/>
+  </cs:legend>
+  <cs:plotArea mods="allowNoFillOverride allowNoLineOverride">
+    <cs:lnRef idx="0"/>
+    <cs:fillRef idx="0"/>
+    <cs:effectRef idx="0"/>
+    <cs:fontRef idx="minor">
+      <a:schemeClr val="tx1"/>
+    </cs:fontRef>
+  </cs:plotArea>
+  <cs:plotArea3D mods="allowNoFillOverride allowNoLineOverride">
+    <cs:lnRef idx="0"/>
+    <cs:fillRef idx="0"/>
+    <cs:effectRef idx="0"/>
+    <cs:fontRef idx="minor">
+      <a:schemeClr val="tx1"/>
+    </cs:fontRef>
+  </cs:plotArea3D>
+  <cs:seriesAxis>
+    <cs:lnRef idx="0"/>
+    <cs:fillRef idx="0"/>
+    <cs:effectRef idx="0"/>
+    <cs:fontRef idx="minor">
+      <a:schemeClr val="tx1">
+        <a:lumMod val="65000"/>
+        <a:lumOff val="35000"/>
+      </a:schemeClr>
+    </cs:fontRef>
+    <cs:defRPr sz="1197" kern="1200"/>
+  </cs:seriesAxis>
+  <cs:seriesLine>
+    <cs:lnRef idx="0"/>
+    <cs:fillRef idx="0"/>
+    <cs:effectRef idx="0"/>
+    <cs:fontRef idx="minor">
+      <a:schemeClr val="tx1"/>
+    </cs:fontRef>
+    <cs:spPr>
+      <a:ln w="9525" cap="flat" cmpd="sng" algn="ctr">
+        <a:solidFill>
+          <a:schemeClr val="tx1">
+            <a:lumMod val="35000"/>
+            <a:lumOff val="65000"/>
+          </a:schemeClr>
+        </a:solidFill>
+        <a:round/>
+      </a:ln>
+    </cs:spPr>
+  </cs:seriesLine>
+  <cs:title>
+    <cs:lnRef idx="0"/>
+    <cs:fillRef idx="0"/>
+    <cs:effectRef idx="0"/>
+    <cs:fontRef idx="minor">
+      <a:schemeClr val="tx1">
+        <a:lumMod val="65000"/>
+        <a:lumOff val="35000"/>
+      </a:schemeClr>
+    </cs:fontRef>
+    <cs:defRPr sz="1862" b="0" kern="1200" spc="0" baseline="0"/>
+  </cs:title>
+  <cs:trendline>
+    <cs:lnRef idx="0">
+      <cs:styleClr val="auto"/>
+    </cs:lnRef>
+    <cs:fillRef idx="0"/>
+    <cs:effectRef idx="0"/>
+    <cs:fontRef idx="minor">
+      <a:schemeClr val="tx1"/>
+    </cs:fontRef>
+    <cs:spPr>
+      <a:ln w="19050" cap="rnd">
+        <a:solidFill>
+          <a:schemeClr val="phClr"/>
+        </a:solidFill>
+        <a:prstDash val="sysDot"/>
+      </a:ln>
+    </cs:spPr>
+  </cs:trendline>
+  <cs:trendlineLabel>
+    <cs:lnRef idx="0"/>
+    <cs:fillRef idx="0"/>
+    <cs:effectRef idx="0"/>
+    <cs:fontRef idx="minor">
+      <a:schemeClr val="tx1">
+        <a:lumMod val="65000"/>
+        <a:lumOff val="35000"/>
+      </a:schemeClr>
+    </cs:fontRef>
+    <cs:defRPr sz="1197" kern="1200"/>
+  </cs:trendlineLabel>
+  <cs:upBar>
+    <cs:lnRef idx="0"/>
+    <cs:fillRef idx="0"/>
+    <cs:effectRef idx="0"/>
+    <cs:fontRef idx="minor">
+      <a:schemeClr val="dk1"/>
+    </cs:fontRef>
+    <cs:spPr>
+      <a:solidFill>
+        <a:schemeClr val="lt1"/>
+      </a:solidFill>
+      <a:ln w="9525">
+        <a:solidFill>
+          <a:schemeClr val="tx1">
+            <a:lumMod val="15000"/>
+            <a:lumOff val="85000"/>
+          </a:schemeClr>
+        </a:solidFill>
+      </a:ln>
+    </cs:spPr>
+  </cs:upBar>
+  <cs:valueAxis>
+    <cs:lnRef idx="0"/>
+    <cs:fillRef idx="0"/>
+    <cs:effectRef idx="0"/>
+    <cs:fontRef idx="minor">
+      <a:schemeClr val="tx1">
+        <a:lumMod val="65000"/>
+        <a:lumOff val="35000"/>
+      </a:schemeClr>
+    </cs:fontRef>
+    <cs:defRPr sz="1197" kern="1200"/>
+  </cs:valueAxis>
+  <cs:wall>
+    <cs:lnRef idx="0"/>
+    <cs:fillRef idx="0"/>
+    <cs:effectRef idx="0"/>
+    <cs:fontRef idx="minor">
+      <a:schemeClr val="tx1"/>
+    </cs:fontRef>
+    <cs:spPr>
+      <a:noFill/>
+      <a:ln>
+        <a:noFill/>
+      </a:ln>
+    </cs:spPr>
   </cs:wall>
 </cs:chartStyle>
 </file>
@@ -2298,6 +4757,50 @@
         </a:p>
       </dgm:t>
     </dgm:pt>
+    <dgm:pt modelId="{61F9C07E-3AFA-492D-A9B8-82008226FB3A}">
+      <dgm:prSet phldrT="[Text]"/>
+      <dgm:spPr/>
+      <dgm:t>
+        <a:bodyPr/>
+        <a:lstStyle/>
+        <a:p>
+          <a:r>
+            <a:rPr lang="en-US" dirty="0"/>
+            <a:t>Does not include UT = Zero – need clarification on whether this is an NA</a:t>
+          </a:r>
+        </a:p>
+      </dgm:t>
+    </dgm:pt>
+    <dgm:pt modelId="{4C94B943-8C3F-4A20-B836-84B4353B77AB}" type="parTrans" cxnId="{6A8BAAC3-3434-468F-9E88-4C56FFF59E67}">
+      <dgm:prSet/>
+      <dgm:spPr/>
+    </dgm:pt>
+    <dgm:pt modelId="{5596B5B1-3B9A-4738-9292-4F5EAB384992}" type="sibTrans" cxnId="{6A8BAAC3-3434-468F-9E88-4C56FFF59E67}">
+      <dgm:prSet/>
+      <dgm:spPr/>
+    </dgm:pt>
+    <dgm:pt modelId="{E2E90C70-2A05-4B53-B72D-E95E3A87FA10}">
+      <dgm:prSet phldrT="[Text]"/>
+      <dgm:spPr/>
+      <dgm:t>
+        <a:bodyPr/>
+        <a:lstStyle/>
+        <a:p>
+          <a:r>
+            <a:rPr lang="en-US" dirty="0"/>
+            <a:t>SD has NA in field for IBU – need clarification </a:t>
+          </a:r>
+        </a:p>
+      </dgm:t>
+    </dgm:pt>
+    <dgm:pt modelId="{2F03A0B5-7F9A-463B-9094-7F43674C73B7}" type="parTrans" cxnId="{7152C502-3926-4776-A14F-7802AD84F9F8}">
+      <dgm:prSet/>
+      <dgm:spPr/>
+    </dgm:pt>
+    <dgm:pt modelId="{DDF7E8F3-BF5E-4ACA-9F48-9F497DDA2C1C}" type="sibTrans" cxnId="{7152C502-3926-4776-A14F-7802AD84F9F8}">
+      <dgm:prSet/>
+      <dgm:spPr/>
+    </dgm:pt>
     <dgm:pt modelId="{E09DFE11-1C3D-4591-A016-4B5C25E87158}" type="pres">
       <dgm:prSet presAssocID="{245F8F0F-550B-4F8D-B037-B287FC9D15AE}" presName="Name0" presStyleCnt="0">
         <dgm:presLayoutVars>
@@ -2384,15 +4887,19 @@
     </dgm:pt>
   </dgm:ptLst>
   <dgm:cxnLst>
+    <dgm:cxn modelId="{7152C502-3926-4776-A14F-7802AD84F9F8}" srcId="{694FC7AF-9976-448A-8228-01ADD93FE7B5}" destId="{E2E90C70-2A05-4B53-B72D-E95E3A87FA10}" srcOrd="1" destOrd="0" parTransId="{2F03A0B5-7F9A-463B-9094-7F43674C73B7}" sibTransId="{DDF7E8F3-BF5E-4ACA-9F48-9F497DDA2C1C}"/>
     <dgm:cxn modelId="{12CD9804-9A5B-464D-AC80-8A7120A19192}" srcId="{245F8F0F-550B-4F8D-B037-B287FC9D15AE}" destId="{694FC7AF-9976-448A-8228-01ADD93FE7B5}" srcOrd="1" destOrd="0" parTransId="{E8346180-698B-4DBC-B8C1-9171F566C09C}" sibTransId="{722F478F-CA2B-4C0D-ADAC-E9EA4D512BD3}"/>
     <dgm:cxn modelId="{452DD11B-BAC7-4CEF-B88F-B4DE154F446C}" type="presOf" srcId="{11DDEDBE-6B6F-4CE3-AFFA-3AEBE049C858}" destId="{9E2A49D3-69A8-448D-8BA6-CCE43F12B670}" srcOrd="0" destOrd="0" presId="urn:microsoft.com/office/officeart/2005/8/layout/hList1"/>
     <dgm:cxn modelId="{00150232-717A-475E-B147-F6F9A95A24A3}" srcId="{1B18270E-0FF6-41C1-9F6B-F87222DE59ED}" destId="{7BC3BECF-F222-45B5-A8BF-684094316992}" srcOrd="0" destOrd="0" parTransId="{F5C7A998-01FA-4A1C-9599-883C2FD848FB}" sibTransId="{CBC8E4C4-7FCE-4E4D-A38D-09232DB0CEC3}"/>
+    <dgm:cxn modelId="{16F58B60-DCC1-4E4A-A27C-43A6AB16BE4C}" type="presOf" srcId="{61F9C07E-3AFA-492D-A9B8-82008226FB3A}" destId="{53589A88-8D73-47B6-82BC-40710CC9D801}" srcOrd="0" destOrd="1" presId="urn:microsoft.com/office/officeart/2005/8/layout/hList1"/>
     <dgm:cxn modelId="{F7144567-D5E0-4664-80E3-09AD1CBE7C94}" type="presOf" srcId="{694FC7AF-9976-448A-8228-01ADD93FE7B5}" destId="{DDD4128C-289F-404B-A6E6-BCDB7834D96D}" srcOrd="0" destOrd="0" presId="urn:microsoft.com/office/officeart/2005/8/layout/hList1"/>
     <dgm:cxn modelId="{A1726B7B-8B6A-482A-B1E5-FF9D8E89BA17}" srcId="{694FC7AF-9976-448A-8228-01ADD93FE7B5}" destId="{9D0EF9EF-D72D-487A-90FD-91E49FA96B09}" srcOrd="0" destOrd="0" parTransId="{D6091939-1122-4CD3-96E3-99AB171223A5}" sibTransId="{C2C1A0CA-B183-402B-BA4B-4CBF4869A06E}"/>
     <dgm:cxn modelId="{C45B0980-28E1-40E9-AF78-7CE61BC1214B}" srcId="{245F8F0F-550B-4F8D-B037-B287FC9D15AE}" destId="{11DDEDBE-6B6F-4CE3-AFFA-3AEBE049C858}" srcOrd="0" destOrd="0" parTransId="{1F5C81C6-117F-4BDB-908B-8E38CF13C431}" sibTransId="{51E37AEF-6C0E-40DA-8A2F-90360CC0B372}"/>
     <dgm:cxn modelId="{F600C195-5681-49D3-9796-BE21BA2849AC}" srcId="{245F8F0F-550B-4F8D-B037-B287FC9D15AE}" destId="{1B18270E-0FF6-41C1-9F6B-F87222DE59ED}" srcOrd="2" destOrd="0" parTransId="{429101F9-C237-412E-8BDB-B9367FBA4073}" sibTransId="{7D112269-169F-48C2-8CD2-8921A999784B}"/>
     <dgm:cxn modelId="{43784CA8-3ACD-4600-B7A6-003E744C3E24}" srcId="{11DDEDBE-6B6F-4CE3-AFFA-3AEBE049C858}" destId="{6469E867-D79D-4CFF-9E23-4016522243E2}" srcOrd="0" destOrd="0" parTransId="{E973AB02-BB59-437C-8A76-34FE1E8BE60B}" sibTransId="{035F2FFE-FFC5-4320-AC39-C4AEE5F04E3C}"/>
+    <dgm:cxn modelId="{15A9F0B2-9AC0-4593-A79C-DB354E2F739C}" type="presOf" srcId="{E2E90C70-2A05-4B53-B72D-E95E3A87FA10}" destId="{3991200B-1FC9-4DA7-9939-B1A2BEB25201}" srcOrd="0" destOrd="1" presId="urn:microsoft.com/office/officeart/2005/8/layout/hList1"/>
     <dgm:cxn modelId="{FE08C7BE-F15A-4272-9A38-CEEA70CBAD1B}" type="presOf" srcId="{7BC3BECF-F222-45B5-A8BF-684094316992}" destId="{BA89DA29-94E9-43E5-859F-1A126526C90A}" srcOrd="0" destOrd="0" presId="urn:microsoft.com/office/officeart/2005/8/layout/hList1"/>
+    <dgm:cxn modelId="{6A8BAAC3-3434-468F-9E88-4C56FFF59E67}" srcId="{11DDEDBE-6B6F-4CE3-AFFA-3AEBE049C858}" destId="{61F9C07E-3AFA-492D-A9B8-82008226FB3A}" srcOrd="1" destOrd="0" parTransId="{4C94B943-8C3F-4A20-B836-84B4353B77AB}" sibTransId="{5596B5B1-3B9A-4738-9292-4F5EAB384992}"/>
     <dgm:cxn modelId="{E53E45CA-305D-4F93-8954-987F74898BA3}" type="presOf" srcId="{245F8F0F-550B-4F8D-B037-B287FC9D15AE}" destId="{E09DFE11-1C3D-4591-A016-4B5C25E87158}" srcOrd="0" destOrd="0" presId="urn:microsoft.com/office/officeart/2005/8/layout/hList1"/>
     <dgm:cxn modelId="{FC5E11E3-50C2-4401-B5EC-038D3662C952}" type="presOf" srcId="{9D0EF9EF-D72D-487A-90FD-91E49FA96B09}" destId="{3991200B-1FC9-4DA7-9939-B1A2BEB25201}" srcOrd="0" destOrd="0" presId="urn:microsoft.com/office/officeart/2005/8/layout/hList1"/>
     <dgm:cxn modelId="{215E00E4-F80B-4C2F-85F8-C5E57B6C96DA}" type="presOf" srcId="{6469E867-D79D-4CFF-9E23-4016522243E2}" destId="{53589A88-8D73-47B6-82BC-40710CC9D801}" srcOrd="0" destOrd="0" presId="urn:microsoft.com/office/officeart/2005/8/layout/hList1"/>
@@ -2434,8 +4941,8 @@
       </dsp:nvSpPr>
       <dsp:spPr>
         <a:xfrm>
-          <a:off x="2540" y="1225833"/>
-          <a:ext cx="2476500" cy="990600"/>
+          <a:off x="2540" y="430601"/>
+          <a:ext cx="2476500" cy="777600"/>
         </a:xfrm>
         <a:prstGeom prst="rect">
           <a:avLst/>
@@ -2476,12 +4983,12 @@
         </a:fontRef>
       </dsp:style>
       <dsp:txBody>
-        <a:bodyPr spcFirstLastPara="0" vert="horz" wrap="square" lIns="320040" tIns="182880" rIns="320040" bIns="182880" numCol="1" spcCol="1270" anchor="ctr" anchorCtr="0">
+        <a:bodyPr spcFirstLastPara="0" vert="horz" wrap="square" lIns="192024" tIns="109728" rIns="192024" bIns="109728" numCol="1" spcCol="1270" anchor="ctr" anchorCtr="0">
           <a:noAutofit/>
         </a:bodyPr>
         <a:lstStyle/>
         <a:p>
-          <a:pPr marL="0" lvl="0" indent="0" algn="ctr" defTabSz="2000250">
+          <a:pPr marL="0" lvl="0" indent="0" algn="ctr" defTabSz="1200150">
             <a:lnSpc>
               <a:spcPct val="90000"/>
             </a:lnSpc>
@@ -2494,14 +5001,14 @@
             <a:buNone/>
           </a:pPr>
           <a:r>
-            <a:rPr lang="en-US" sz="4500" kern="1200" dirty="0"/>
+            <a:rPr lang="en-US" sz="2700" kern="1200" dirty="0"/>
             <a:t>ABV</a:t>
           </a:r>
         </a:p>
       </dsp:txBody>
       <dsp:txXfrm>
-        <a:off x="2540" y="1225833"/>
-        <a:ext cx="2476500" cy="990600"/>
+        <a:off x="2540" y="430601"/>
+        <a:ext cx="2476500" cy="777600"/>
       </dsp:txXfrm>
     </dsp:sp>
     <dsp:sp modelId="{53589A88-8D73-47B6-82BC-40710CC9D801}">
@@ -2511,8 +5018,8 @@
       </dsp:nvSpPr>
       <dsp:spPr>
         <a:xfrm>
-          <a:off x="2540" y="2216433"/>
-          <a:ext cx="2476500" cy="1976400"/>
+          <a:off x="2540" y="1208201"/>
+          <a:ext cx="2476500" cy="3779865"/>
         </a:xfrm>
         <a:prstGeom prst="rect">
           <a:avLst/>
@@ -2555,12 +5062,12 @@
         <a:fontRef idx="minor"/>
       </dsp:style>
       <dsp:txBody>
-        <a:bodyPr spcFirstLastPara="0" vert="horz" wrap="square" lIns="240030" tIns="240030" rIns="320040" bIns="360045" numCol="1" spcCol="1270" anchor="t" anchorCtr="0">
+        <a:bodyPr spcFirstLastPara="0" vert="horz" wrap="square" lIns="144018" tIns="144018" rIns="192024" bIns="216027" numCol="1" spcCol="1270" anchor="t" anchorCtr="0">
           <a:noAutofit/>
         </a:bodyPr>
         <a:lstStyle/>
         <a:p>
-          <a:pPr marL="285750" lvl="1" indent="-285750" algn="l" defTabSz="2000250">
+          <a:pPr marL="228600" lvl="1" indent="-228600" algn="l" defTabSz="1200150">
             <a:lnSpc>
               <a:spcPct val="90000"/>
             </a:lnSpc>
@@ -2573,14 +5080,32 @@
             <a:buChar char="•"/>
           </a:pPr>
           <a:r>
-            <a:rPr lang="en-US" sz="4500" kern="1200" dirty="0"/>
+            <a:rPr lang="en-US" sz="2700" kern="1200" dirty="0"/>
             <a:t>60</a:t>
+          </a:r>
+        </a:p>
+        <a:p>
+          <a:pPr marL="228600" lvl="1" indent="-228600" algn="l" defTabSz="1200150">
+            <a:lnSpc>
+              <a:spcPct val="90000"/>
+            </a:lnSpc>
+            <a:spcBef>
+              <a:spcPct val="0"/>
+            </a:spcBef>
+            <a:spcAft>
+              <a:spcPct val="15000"/>
+            </a:spcAft>
+            <a:buChar char="•"/>
+          </a:pPr>
+          <a:r>
+            <a:rPr lang="en-US" sz="2700" kern="1200" dirty="0"/>
+            <a:t>Does not include UT = Zero – need clarification on whether this is an NA</a:t>
           </a:r>
         </a:p>
       </dsp:txBody>
       <dsp:txXfrm>
-        <a:off x="2540" y="2216433"/>
-        <a:ext cx="2476500" cy="1976400"/>
+        <a:off x="2540" y="1208201"/>
+        <a:ext cx="2476500" cy="3779865"/>
       </dsp:txXfrm>
     </dsp:sp>
     <dsp:sp modelId="{DDD4128C-289F-404B-A6E6-BCDB7834D96D}">
@@ -2590,8 +5115,8 @@
       </dsp:nvSpPr>
       <dsp:spPr>
         <a:xfrm>
-          <a:off x="2825750" y="1225833"/>
-          <a:ext cx="2476500" cy="990600"/>
+          <a:off x="2825750" y="430601"/>
+          <a:ext cx="2476500" cy="777600"/>
         </a:xfrm>
         <a:prstGeom prst="rect">
           <a:avLst/>
@@ -2632,12 +5157,12 @@
         </a:fontRef>
       </dsp:style>
       <dsp:txBody>
-        <a:bodyPr spcFirstLastPara="0" vert="horz" wrap="square" lIns="320040" tIns="182880" rIns="320040" bIns="182880" numCol="1" spcCol="1270" anchor="ctr" anchorCtr="0">
+        <a:bodyPr spcFirstLastPara="0" vert="horz" wrap="square" lIns="192024" tIns="109728" rIns="192024" bIns="109728" numCol="1" spcCol="1270" anchor="ctr" anchorCtr="0">
           <a:noAutofit/>
         </a:bodyPr>
         <a:lstStyle/>
         <a:p>
-          <a:pPr marL="0" lvl="0" indent="0" algn="ctr" defTabSz="2000250">
+          <a:pPr marL="0" lvl="0" indent="0" algn="ctr" defTabSz="1200150">
             <a:lnSpc>
               <a:spcPct val="90000"/>
             </a:lnSpc>
@@ -2650,14 +5175,14 @@
             <a:buNone/>
           </a:pPr>
           <a:r>
-            <a:rPr lang="en-US" sz="4500" kern="1200" dirty="0"/>
+            <a:rPr lang="en-US" sz="2700" kern="1200" dirty="0"/>
             <a:t>IBU</a:t>
           </a:r>
         </a:p>
       </dsp:txBody>
       <dsp:txXfrm>
-        <a:off x="2825750" y="1225833"/>
-        <a:ext cx="2476500" cy="990600"/>
+        <a:off x="2825750" y="430601"/>
+        <a:ext cx="2476500" cy="777600"/>
       </dsp:txXfrm>
     </dsp:sp>
     <dsp:sp modelId="{3991200B-1FC9-4DA7-9939-B1A2BEB25201}">
@@ -2667,8 +5192,8 @@
       </dsp:nvSpPr>
       <dsp:spPr>
         <a:xfrm>
-          <a:off x="2825750" y="2216433"/>
-          <a:ext cx="2476500" cy="1976400"/>
+          <a:off x="2825750" y="1208201"/>
+          <a:ext cx="2476500" cy="3779865"/>
         </a:xfrm>
         <a:prstGeom prst="rect">
           <a:avLst/>
@@ -2711,12 +5236,12 @@
         <a:fontRef idx="minor"/>
       </dsp:style>
       <dsp:txBody>
-        <a:bodyPr spcFirstLastPara="0" vert="horz" wrap="square" lIns="240030" tIns="240030" rIns="320040" bIns="360045" numCol="1" spcCol="1270" anchor="t" anchorCtr="0">
+        <a:bodyPr spcFirstLastPara="0" vert="horz" wrap="square" lIns="144018" tIns="144018" rIns="192024" bIns="216027" numCol="1" spcCol="1270" anchor="t" anchorCtr="0">
           <a:noAutofit/>
         </a:bodyPr>
         <a:lstStyle/>
         <a:p>
-          <a:pPr marL="285750" lvl="1" indent="-285750" algn="l" defTabSz="2000250">
+          <a:pPr marL="228600" lvl="1" indent="-228600" algn="l" defTabSz="1200150">
             <a:lnSpc>
               <a:spcPct val="90000"/>
             </a:lnSpc>
@@ -2729,14 +5254,32 @@
             <a:buChar char="•"/>
           </a:pPr>
           <a:r>
-            <a:rPr lang="en-US" sz="4500" kern="1200" dirty="0"/>
+            <a:rPr lang="en-US" sz="2700" kern="1200" dirty="0"/>
             <a:t>1005</a:t>
+          </a:r>
+        </a:p>
+        <a:p>
+          <a:pPr marL="228600" lvl="1" indent="-228600" algn="l" defTabSz="1200150">
+            <a:lnSpc>
+              <a:spcPct val="90000"/>
+            </a:lnSpc>
+            <a:spcBef>
+              <a:spcPct val="0"/>
+            </a:spcBef>
+            <a:spcAft>
+              <a:spcPct val="15000"/>
+            </a:spcAft>
+            <a:buChar char="•"/>
+          </a:pPr>
+          <a:r>
+            <a:rPr lang="en-US" sz="2700" kern="1200" dirty="0"/>
+            <a:t>SD has NA in field for IBU – need clarification </a:t>
           </a:r>
         </a:p>
       </dsp:txBody>
       <dsp:txXfrm>
-        <a:off x="2825750" y="2216433"/>
-        <a:ext cx="2476500" cy="1976400"/>
+        <a:off x="2825750" y="1208201"/>
+        <a:ext cx="2476500" cy="3779865"/>
       </dsp:txXfrm>
     </dsp:sp>
     <dsp:sp modelId="{22A7B64B-B5A3-4014-A9FA-40F6270EC35B}">
@@ -2746,8 +5289,8 @@
       </dsp:nvSpPr>
       <dsp:spPr>
         <a:xfrm>
-          <a:off x="5648960" y="1225833"/>
-          <a:ext cx="2476500" cy="990600"/>
+          <a:off x="5648960" y="430601"/>
+          <a:ext cx="2476500" cy="777600"/>
         </a:xfrm>
         <a:prstGeom prst="rect">
           <a:avLst/>
@@ -2788,12 +5331,12 @@
         </a:fontRef>
       </dsp:style>
       <dsp:txBody>
-        <a:bodyPr spcFirstLastPara="0" vert="horz" wrap="square" lIns="320040" tIns="182880" rIns="320040" bIns="182880" numCol="1" spcCol="1270" anchor="ctr" anchorCtr="0">
+        <a:bodyPr spcFirstLastPara="0" vert="horz" wrap="square" lIns="192024" tIns="109728" rIns="192024" bIns="109728" numCol="1" spcCol="1270" anchor="ctr" anchorCtr="0">
           <a:noAutofit/>
         </a:bodyPr>
         <a:lstStyle/>
         <a:p>
-          <a:pPr marL="0" lvl="0" indent="0" algn="ctr" defTabSz="2000250">
+          <a:pPr marL="0" lvl="0" indent="0" algn="ctr" defTabSz="1200150">
             <a:lnSpc>
               <a:spcPct val="90000"/>
             </a:lnSpc>
@@ -2806,14 +5349,14 @@
             <a:buNone/>
           </a:pPr>
           <a:r>
-            <a:rPr lang="en-US" sz="4500" kern="1200" dirty="0"/>
+            <a:rPr lang="en-US" sz="2700" kern="1200" dirty="0"/>
             <a:t>Style</a:t>
           </a:r>
         </a:p>
       </dsp:txBody>
       <dsp:txXfrm>
-        <a:off x="5648960" y="1225833"/>
-        <a:ext cx="2476500" cy="990600"/>
+        <a:off x="5648960" y="430601"/>
+        <a:ext cx="2476500" cy="777600"/>
       </dsp:txXfrm>
     </dsp:sp>
     <dsp:sp modelId="{BA89DA29-94E9-43E5-859F-1A126526C90A}">
@@ -2823,8 +5366,8 @@
       </dsp:nvSpPr>
       <dsp:spPr>
         <a:xfrm>
-          <a:off x="5648960" y="2216433"/>
-          <a:ext cx="2476500" cy="1976400"/>
+          <a:off x="5648960" y="1208201"/>
+          <a:ext cx="2476500" cy="3779865"/>
         </a:xfrm>
         <a:prstGeom prst="rect">
           <a:avLst/>
@@ -2867,12 +5410,12 @@
         <a:fontRef idx="minor"/>
       </dsp:style>
       <dsp:txBody>
-        <a:bodyPr spcFirstLastPara="0" vert="horz" wrap="square" lIns="240030" tIns="240030" rIns="320040" bIns="360045" numCol="1" spcCol="1270" anchor="t" anchorCtr="0">
+        <a:bodyPr spcFirstLastPara="0" vert="horz" wrap="square" lIns="144018" tIns="144018" rIns="192024" bIns="216027" numCol="1" spcCol="1270" anchor="t" anchorCtr="0">
           <a:noAutofit/>
         </a:bodyPr>
         <a:lstStyle/>
         <a:p>
-          <a:pPr marL="285750" lvl="1" indent="-285750" algn="l" defTabSz="2000250">
+          <a:pPr marL="228600" lvl="1" indent="-228600" algn="l" defTabSz="1200150">
             <a:lnSpc>
               <a:spcPct val="90000"/>
             </a:lnSpc>
@@ -2885,14 +5428,14 @@
             <a:buChar char="•"/>
           </a:pPr>
           <a:r>
-            <a:rPr lang="en-US" sz="4500" kern="1200" dirty="0"/>
+            <a:rPr lang="en-US" sz="2700" kern="1200" dirty="0"/>
             <a:t>5</a:t>
           </a:r>
         </a:p>
       </dsp:txBody>
       <dsp:txXfrm>
-        <a:off x="5648960" y="2216433"/>
-        <a:ext cx="2476500" cy="1976400"/>
+        <a:off x="5648960" y="1208201"/>
+        <a:ext cx="2476500" cy="3779865"/>
       </dsp:txXfrm>
     </dsp:sp>
   </dsp:spTree>
@@ -7514,7 +10057,7 @@
           <a:p>
             <a:r>
               <a:rPr lang="en-US" dirty="0"/>
-              <a:t>An Analysis of the Breweries and their Beers in the United States</a:t>
+              <a:t>Analysis of the Breweries and their Beers in the United States</a:t>
             </a:r>
           </a:p>
         </p:txBody>
@@ -7563,6 +10106,102 @@
     <p:extLst>
       <p:ext uri="{BB962C8B-B14F-4D97-AF65-F5344CB8AC3E}">
         <p14:creationId xmlns:p14="http://schemas.microsoft.com/office/powerpoint/2010/main" val="1913422506"/>
+      </p:ext>
+    </p:extLst>
+  </p:cSld>
+  <p:clrMapOvr>
+    <a:masterClrMapping/>
+  </p:clrMapOvr>
+</p:sld>
+</file>
+
+<file path=ppt/slides/slide10.xml><?xml version="1.0" encoding="utf-8"?>
+<p:sld xmlns:a="http://schemas.openxmlformats.org/drawingml/2006/main" xmlns:r="http://schemas.openxmlformats.org/officeDocument/2006/relationships" xmlns:p="http://schemas.openxmlformats.org/presentationml/2006/main">
+  <p:cSld>
+    <p:spTree>
+      <p:nvGrpSpPr>
+        <p:cNvPr id="1" name=""/>
+        <p:cNvGrpSpPr/>
+        <p:nvPr/>
+      </p:nvGrpSpPr>
+      <p:grpSpPr>
+        <a:xfrm>
+          <a:off x="0" y="0"/>
+          <a:ext cx="0" cy="0"/>
+          <a:chOff x="0" y="0"/>
+          <a:chExt cx="0" cy="0"/>
+        </a:xfrm>
+      </p:grpSpPr>
+      <p:sp>
+        <p:nvSpPr>
+          <p:cNvPr id="2" name="Title 1">
+            <a:extLst>
+              <a:ext uri="{FF2B5EF4-FFF2-40B4-BE49-F238E27FC236}">
+                <a16:creationId xmlns:a16="http://schemas.microsoft.com/office/drawing/2014/main" id="{F485156D-ACF4-4685-A018-7EF5968B059B}"/>
+              </a:ext>
+            </a:extLst>
+          </p:cNvPr>
+          <p:cNvSpPr>
+            <a:spLocks noGrp="1"/>
+          </p:cNvSpPr>
+          <p:nvPr>
+            <p:ph type="title"/>
+          </p:nvPr>
+        </p:nvSpPr>
+        <p:spPr>
+          <a:xfrm>
+            <a:off x="369116" y="365760"/>
+            <a:ext cx="10585396" cy="1167476"/>
+          </a:xfrm>
+        </p:spPr>
+        <p:txBody>
+          <a:bodyPr>
+            <a:normAutofit fontScale="90000"/>
+          </a:bodyPr>
+          <a:lstStyle/>
+          <a:p>
+            <a:r>
+              <a:rPr lang="en-US" dirty="0"/>
+              <a:t>Median international bitterness unit for each state.</a:t>
+            </a:r>
+          </a:p>
+        </p:txBody>
+      </p:sp>
+      <p:graphicFrame>
+        <p:nvGraphicFramePr>
+          <p:cNvPr id="6" name="Content Placeholder 5">
+            <a:extLst>
+              <a:ext uri="{FF2B5EF4-FFF2-40B4-BE49-F238E27FC236}">
+                <a16:creationId xmlns:a16="http://schemas.microsoft.com/office/drawing/2014/main" id="{DE62CF7F-1DC2-4E3B-B1E1-4E3984E1918C}"/>
+              </a:ext>
+            </a:extLst>
+          </p:cNvPr>
+          <p:cNvGraphicFramePr>
+            <a:graphicFrameLocks noGrp="1"/>
+          </p:cNvGraphicFramePr>
+          <p:nvPr>
+            <p:ph idx="1"/>
+            <p:extLst>
+              <p:ext uri="{D42A27DB-BD31-4B8C-83A1-F6EECF244321}">
+                <p14:modId xmlns:p14="http://schemas.microsoft.com/office/powerpoint/2010/main" val="2023255555"/>
+              </p:ext>
+            </p:extLst>
+          </p:nvPr>
+        </p:nvGraphicFramePr>
+        <p:xfrm>
+          <a:off x="260059" y="1209964"/>
+          <a:ext cx="10694453" cy="5400561"/>
+        </p:xfrm>
+        <a:graphic>
+          <a:graphicData uri="http://schemas.openxmlformats.org/drawingml/2006/chart">
+            <c:chart xmlns:c="http://schemas.openxmlformats.org/drawingml/2006/chart" xmlns:r="http://schemas.openxmlformats.org/officeDocument/2006/relationships" r:id="rId2"/>
+          </a:graphicData>
+        </a:graphic>
+      </p:graphicFrame>
+    </p:spTree>
+    <p:extLst>
+      <p:ext uri="{BB962C8B-B14F-4D97-AF65-F5344CB8AC3E}">
+        <p14:creationId xmlns:p14="http://schemas.microsoft.com/office/powerpoint/2010/main" val="1586887411"/>
       </p:ext>
     </p:extLst>
   </p:cSld>
@@ -10119,7 +12758,7 @@
         <p:spPr>
           <a:xfrm>
             <a:off x="176229" y="148166"/>
-            <a:ext cx="11129079" cy="1264997"/>
+            <a:ext cx="11129079" cy="793943"/>
           </a:xfrm>
         </p:spPr>
         <p:txBody>
@@ -10146,7 +12785,7 @@
           <p:nvPr>
             <p:extLst>
               <p:ext uri="{D42A27DB-BD31-4B8C-83A1-F6EECF244321}">
-                <p14:modId xmlns:p14="http://schemas.microsoft.com/office/powerpoint/2010/main" val="990527246"/>
+                <p14:modId xmlns:p14="http://schemas.microsoft.com/office/powerpoint/2010/main" val="2656831542"/>
               </p:ext>
             </p:extLst>
           </p:nvPr>
@@ -10632,10 +13271,10 @@
       </p:grpSpPr>
       <p:sp>
         <p:nvSpPr>
-          <p:cNvPr id="10" name="Title 9">
+          <p:cNvPr id="2" name="Title 1">
             <a:extLst>
               <a:ext uri="{FF2B5EF4-FFF2-40B4-BE49-F238E27FC236}">
-                <a16:creationId xmlns:a16="http://schemas.microsoft.com/office/drawing/2014/main" id="{3B1D02AA-8A58-452A-A559-FC00E76D74AD}"/>
+                <a16:creationId xmlns:a16="http://schemas.microsoft.com/office/drawing/2014/main" id="{F485156D-ACF4-4685-A018-7EF5968B059B}"/>
               </a:ext>
             </a:extLst>
           </p:cNvPr>
@@ -10648,55 +13287,58 @@
         </p:nvSpPr>
         <p:spPr>
           <a:xfrm>
-            <a:off x="914400" y="5257800"/>
-            <a:ext cx="9982200" cy="914400"/>
+            <a:off x="369116" y="365760"/>
+            <a:ext cx="10585396" cy="844204"/>
           </a:xfrm>
         </p:spPr>
         <p:txBody>
-          <a:bodyPr/>
+          <a:bodyPr>
+            <a:normAutofit/>
+          </a:bodyPr>
           <a:lstStyle/>
           <a:p>
             <a:r>
               <a:rPr lang="en-US" dirty="0"/>
-              <a:t>Missing Data</a:t>
+              <a:t>Median alcohol content for each state.</a:t>
             </a:r>
           </a:p>
         </p:txBody>
       </p:sp>
-      <p:sp>
-        <p:nvSpPr>
-          <p:cNvPr id="12" name="Text Placeholder 11">
+      <p:graphicFrame>
+        <p:nvGraphicFramePr>
+          <p:cNvPr id="6" name="Content Placeholder 5">
             <a:extLst>
               <a:ext uri="{FF2B5EF4-FFF2-40B4-BE49-F238E27FC236}">
-                <a16:creationId xmlns:a16="http://schemas.microsoft.com/office/drawing/2014/main" id="{55B9C322-E211-4916-B7F6-57C8410492D4}"/>
+                <a16:creationId xmlns:a16="http://schemas.microsoft.com/office/drawing/2014/main" id="{DE62CF7F-1DC2-4E3B-B1E1-4E3984E1918C}"/>
               </a:ext>
             </a:extLst>
           </p:cNvPr>
-          <p:cNvSpPr>
-            <a:spLocks noGrp="1"/>
-          </p:cNvSpPr>
+          <p:cNvGraphicFramePr>
+            <a:graphicFrameLocks noGrp="1"/>
+          </p:cNvGraphicFramePr>
           <p:nvPr>
-            <p:ph type="body" sz="half" idx="2"/>
+            <p:ph idx="1"/>
+            <p:extLst>
+              <p:ext uri="{D42A27DB-BD31-4B8C-83A1-F6EECF244321}">
+                <p14:modId xmlns:p14="http://schemas.microsoft.com/office/powerpoint/2010/main" val="1555260241"/>
+              </p:ext>
+            </p:extLst>
           </p:nvPr>
-        </p:nvSpPr>
-        <p:spPr>
-          <a:xfrm>
-            <a:off x="914400" y="6108589"/>
-            <a:ext cx="9982200" cy="597011"/>
-          </a:xfrm>
-        </p:spPr>
-        <p:txBody>
-          <a:bodyPr/>
-          <a:lstStyle/>
-          <a:p>
-            <a:endParaRPr lang="en-US" dirty="0"/>
-          </a:p>
-        </p:txBody>
-      </p:sp>
+        </p:nvGraphicFramePr>
+        <p:xfrm>
+          <a:off x="260059" y="1209964"/>
+          <a:ext cx="10694453" cy="5400561"/>
+        </p:xfrm>
+        <a:graphic>
+          <a:graphicData uri="http://schemas.openxmlformats.org/drawingml/2006/chart">
+            <c:chart xmlns:c="http://schemas.openxmlformats.org/drawingml/2006/chart" xmlns:r="http://schemas.openxmlformats.org/officeDocument/2006/relationships" r:id="rId2"/>
+          </a:graphicData>
+        </a:graphic>
+      </p:graphicFrame>
     </p:spTree>
     <p:extLst>
       <p:ext uri="{BB962C8B-B14F-4D97-AF65-F5344CB8AC3E}">
-        <p14:creationId xmlns:p14="http://schemas.microsoft.com/office/powerpoint/2010/main" val="1647708862"/>
+        <p14:creationId xmlns:p14="http://schemas.microsoft.com/office/powerpoint/2010/main" val="1738677133"/>
       </p:ext>
     </p:extLst>
   </p:cSld>

--- a/Presentation1.pptx
+++ b/Presentation1.pptx
@@ -1332,7 +1332,6 @@
           </c:extLst>
         </c:ser>
         <c:dLbls>
-          <c:dLblPos val="outEnd"/>
           <c:showLegendKey val="0"/>
           <c:showVal val="0"/>
           <c:showCatName val="0"/>
@@ -2023,7 +2022,6 @@
           </c:extLst>
         </c:ser>
         <c:dLbls>
-          <c:dLblPos val="outEnd"/>
           <c:showLegendKey val="0"/>
           <c:showVal val="0"/>
           <c:showCatName val="0"/>
@@ -4578,15 +4576,15 @@
       </dgm:t>
     </dgm:pt>
     <dgm:pt modelId="{6469E867-D79D-4CFF-9E23-4016522243E2}">
-      <dgm:prSet phldrT="[Text]"/>
+      <dgm:prSet phldrT="[Text]" custT="1"/>
       <dgm:spPr/>
       <dgm:t>
         <a:bodyPr/>
         <a:lstStyle/>
         <a:p>
           <a:r>
-            <a:rPr lang="en-US" dirty="0"/>
-            <a:t>60</a:t>
+            <a:rPr lang="en-US" sz="3200" dirty="0"/>
+            <a:t>62</a:t>
           </a:r>
         </a:p>
       </dgm:t>
@@ -4650,14 +4648,14 @@
       </dgm:t>
     </dgm:pt>
     <dgm:pt modelId="{9D0EF9EF-D72D-487A-90FD-91E49FA96B09}">
-      <dgm:prSet phldrT="[Text]"/>
+      <dgm:prSet phldrT="[Text]" custT="1"/>
       <dgm:spPr/>
       <dgm:t>
         <a:bodyPr/>
         <a:lstStyle/>
         <a:p>
           <a:r>
-            <a:rPr lang="en-US" dirty="0"/>
+            <a:rPr lang="en-US" sz="3200" dirty="0"/>
             <a:t>1005</a:t>
           </a:r>
         </a:p>
@@ -4722,16 +4720,17 @@
       </dgm:t>
     </dgm:pt>
     <dgm:pt modelId="{7BC3BECF-F222-45B5-A8BF-684094316992}">
-      <dgm:prSet phldrT="[Text]"/>
+      <dgm:prSet phldrT="[Text]" custT="1"/>
       <dgm:spPr/>
       <dgm:t>
         <a:bodyPr/>
         <a:lstStyle/>
         <a:p>
           <a:r>
-            <a:rPr lang="en-US" dirty="0"/>
+            <a:rPr lang="en-US" sz="3200" dirty="0"/>
             <a:t>5</a:t>
           </a:r>
+          <a:endParaRPr lang="en-US" sz="4500" dirty="0"/>
         </a:p>
       </dgm:t>
     </dgm:pt>
@@ -4756,50 +4755,6 @@
           <a:endParaRPr lang="en-US"/>
         </a:p>
       </dgm:t>
-    </dgm:pt>
-    <dgm:pt modelId="{61F9C07E-3AFA-492D-A9B8-82008226FB3A}">
-      <dgm:prSet phldrT="[Text]"/>
-      <dgm:spPr/>
-      <dgm:t>
-        <a:bodyPr/>
-        <a:lstStyle/>
-        <a:p>
-          <a:r>
-            <a:rPr lang="en-US" dirty="0"/>
-            <a:t>Does not include UT = Zero – need clarification on whether this is an NA</a:t>
-          </a:r>
-        </a:p>
-      </dgm:t>
-    </dgm:pt>
-    <dgm:pt modelId="{4C94B943-8C3F-4A20-B836-84B4353B77AB}" type="parTrans" cxnId="{6A8BAAC3-3434-468F-9E88-4C56FFF59E67}">
-      <dgm:prSet/>
-      <dgm:spPr/>
-    </dgm:pt>
-    <dgm:pt modelId="{5596B5B1-3B9A-4738-9292-4F5EAB384992}" type="sibTrans" cxnId="{6A8BAAC3-3434-468F-9E88-4C56FFF59E67}">
-      <dgm:prSet/>
-      <dgm:spPr/>
-    </dgm:pt>
-    <dgm:pt modelId="{E2E90C70-2A05-4B53-B72D-E95E3A87FA10}">
-      <dgm:prSet phldrT="[Text]"/>
-      <dgm:spPr/>
-      <dgm:t>
-        <a:bodyPr/>
-        <a:lstStyle/>
-        <a:p>
-          <a:r>
-            <a:rPr lang="en-US" dirty="0"/>
-            <a:t>SD has NA in field for IBU – need clarification </a:t>
-          </a:r>
-        </a:p>
-      </dgm:t>
-    </dgm:pt>
-    <dgm:pt modelId="{2F03A0B5-7F9A-463B-9094-7F43674C73B7}" type="parTrans" cxnId="{7152C502-3926-4776-A14F-7802AD84F9F8}">
-      <dgm:prSet/>
-      <dgm:spPr/>
-    </dgm:pt>
-    <dgm:pt modelId="{DDF7E8F3-BF5E-4ACA-9F48-9F497DDA2C1C}" type="sibTrans" cxnId="{7152C502-3926-4776-A14F-7802AD84F9F8}">
-      <dgm:prSet/>
-      <dgm:spPr/>
     </dgm:pt>
     <dgm:pt modelId="{E09DFE11-1C3D-4591-A016-4B5C25E87158}" type="pres">
       <dgm:prSet presAssocID="{245F8F0F-550B-4F8D-B037-B287FC9D15AE}" presName="Name0" presStyleCnt="0">
@@ -4887,19 +4842,15 @@
     </dgm:pt>
   </dgm:ptLst>
   <dgm:cxnLst>
-    <dgm:cxn modelId="{7152C502-3926-4776-A14F-7802AD84F9F8}" srcId="{694FC7AF-9976-448A-8228-01ADD93FE7B5}" destId="{E2E90C70-2A05-4B53-B72D-E95E3A87FA10}" srcOrd="1" destOrd="0" parTransId="{2F03A0B5-7F9A-463B-9094-7F43674C73B7}" sibTransId="{DDF7E8F3-BF5E-4ACA-9F48-9F497DDA2C1C}"/>
     <dgm:cxn modelId="{12CD9804-9A5B-464D-AC80-8A7120A19192}" srcId="{245F8F0F-550B-4F8D-B037-B287FC9D15AE}" destId="{694FC7AF-9976-448A-8228-01ADD93FE7B5}" srcOrd="1" destOrd="0" parTransId="{E8346180-698B-4DBC-B8C1-9171F566C09C}" sibTransId="{722F478F-CA2B-4C0D-ADAC-E9EA4D512BD3}"/>
     <dgm:cxn modelId="{452DD11B-BAC7-4CEF-B88F-B4DE154F446C}" type="presOf" srcId="{11DDEDBE-6B6F-4CE3-AFFA-3AEBE049C858}" destId="{9E2A49D3-69A8-448D-8BA6-CCE43F12B670}" srcOrd="0" destOrd="0" presId="urn:microsoft.com/office/officeart/2005/8/layout/hList1"/>
     <dgm:cxn modelId="{00150232-717A-475E-B147-F6F9A95A24A3}" srcId="{1B18270E-0FF6-41C1-9F6B-F87222DE59ED}" destId="{7BC3BECF-F222-45B5-A8BF-684094316992}" srcOrd="0" destOrd="0" parTransId="{F5C7A998-01FA-4A1C-9599-883C2FD848FB}" sibTransId="{CBC8E4C4-7FCE-4E4D-A38D-09232DB0CEC3}"/>
-    <dgm:cxn modelId="{16F58B60-DCC1-4E4A-A27C-43A6AB16BE4C}" type="presOf" srcId="{61F9C07E-3AFA-492D-A9B8-82008226FB3A}" destId="{53589A88-8D73-47B6-82BC-40710CC9D801}" srcOrd="0" destOrd="1" presId="urn:microsoft.com/office/officeart/2005/8/layout/hList1"/>
     <dgm:cxn modelId="{F7144567-D5E0-4664-80E3-09AD1CBE7C94}" type="presOf" srcId="{694FC7AF-9976-448A-8228-01ADD93FE7B5}" destId="{DDD4128C-289F-404B-A6E6-BCDB7834D96D}" srcOrd="0" destOrd="0" presId="urn:microsoft.com/office/officeart/2005/8/layout/hList1"/>
     <dgm:cxn modelId="{A1726B7B-8B6A-482A-B1E5-FF9D8E89BA17}" srcId="{694FC7AF-9976-448A-8228-01ADD93FE7B5}" destId="{9D0EF9EF-D72D-487A-90FD-91E49FA96B09}" srcOrd="0" destOrd="0" parTransId="{D6091939-1122-4CD3-96E3-99AB171223A5}" sibTransId="{C2C1A0CA-B183-402B-BA4B-4CBF4869A06E}"/>
     <dgm:cxn modelId="{C45B0980-28E1-40E9-AF78-7CE61BC1214B}" srcId="{245F8F0F-550B-4F8D-B037-B287FC9D15AE}" destId="{11DDEDBE-6B6F-4CE3-AFFA-3AEBE049C858}" srcOrd="0" destOrd="0" parTransId="{1F5C81C6-117F-4BDB-908B-8E38CF13C431}" sibTransId="{51E37AEF-6C0E-40DA-8A2F-90360CC0B372}"/>
     <dgm:cxn modelId="{F600C195-5681-49D3-9796-BE21BA2849AC}" srcId="{245F8F0F-550B-4F8D-B037-B287FC9D15AE}" destId="{1B18270E-0FF6-41C1-9F6B-F87222DE59ED}" srcOrd="2" destOrd="0" parTransId="{429101F9-C237-412E-8BDB-B9367FBA4073}" sibTransId="{7D112269-169F-48C2-8CD2-8921A999784B}"/>
     <dgm:cxn modelId="{43784CA8-3ACD-4600-B7A6-003E744C3E24}" srcId="{11DDEDBE-6B6F-4CE3-AFFA-3AEBE049C858}" destId="{6469E867-D79D-4CFF-9E23-4016522243E2}" srcOrd="0" destOrd="0" parTransId="{E973AB02-BB59-437C-8A76-34FE1E8BE60B}" sibTransId="{035F2FFE-FFC5-4320-AC39-C4AEE5F04E3C}"/>
-    <dgm:cxn modelId="{15A9F0B2-9AC0-4593-A79C-DB354E2F739C}" type="presOf" srcId="{E2E90C70-2A05-4B53-B72D-E95E3A87FA10}" destId="{3991200B-1FC9-4DA7-9939-B1A2BEB25201}" srcOrd="0" destOrd="1" presId="urn:microsoft.com/office/officeart/2005/8/layout/hList1"/>
     <dgm:cxn modelId="{FE08C7BE-F15A-4272-9A38-CEEA70CBAD1B}" type="presOf" srcId="{7BC3BECF-F222-45B5-A8BF-684094316992}" destId="{BA89DA29-94E9-43E5-859F-1A126526C90A}" srcOrd="0" destOrd="0" presId="urn:microsoft.com/office/officeart/2005/8/layout/hList1"/>
-    <dgm:cxn modelId="{6A8BAAC3-3434-468F-9E88-4C56FFF59E67}" srcId="{11DDEDBE-6B6F-4CE3-AFFA-3AEBE049C858}" destId="{61F9C07E-3AFA-492D-A9B8-82008226FB3A}" srcOrd="1" destOrd="0" parTransId="{4C94B943-8C3F-4A20-B836-84B4353B77AB}" sibTransId="{5596B5B1-3B9A-4738-9292-4F5EAB384992}"/>
     <dgm:cxn modelId="{E53E45CA-305D-4F93-8954-987F74898BA3}" type="presOf" srcId="{245F8F0F-550B-4F8D-B037-B287FC9D15AE}" destId="{E09DFE11-1C3D-4591-A016-4B5C25E87158}" srcOrd="0" destOrd="0" presId="urn:microsoft.com/office/officeart/2005/8/layout/hList1"/>
     <dgm:cxn modelId="{FC5E11E3-50C2-4401-B5EC-038D3662C952}" type="presOf" srcId="{9D0EF9EF-D72D-487A-90FD-91E49FA96B09}" destId="{3991200B-1FC9-4DA7-9939-B1A2BEB25201}" srcOrd="0" destOrd="0" presId="urn:microsoft.com/office/officeart/2005/8/layout/hList1"/>
     <dgm:cxn modelId="{215E00E4-F80B-4C2F-85F8-C5E57B6C96DA}" type="presOf" srcId="{6469E867-D79D-4CFF-9E23-4016522243E2}" destId="{53589A88-8D73-47B6-82BC-40710CC9D801}" srcOrd="0" destOrd="0" presId="urn:microsoft.com/office/officeart/2005/8/layout/hList1"/>
@@ -4941,8 +4892,8 @@
       </dsp:nvSpPr>
       <dsp:spPr>
         <a:xfrm>
-          <a:off x="2540" y="430601"/>
-          <a:ext cx="2476500" cy="777600"/>
+          <a:off x="2540" y="177035"/>
+          <a:ext cx="2476500" cy="990600"/>
         </a:xfrm>
         <a:prstGeom prst="rect">
           <a:avLst/>
@@ -4983,12 +4934,12 @@
         </a:fontRef>
       </dsp:style>
       <dsp:txBody>
-        <a:bodyPr spcFirstLastPara="0" vert="horz" wrap="square" lIns="192024" tIns="109728" rIns="192024" bIns="109728" numCol="1" spcCol="1270" anchor="ctr" anchorCtr="0">
+        <a:bodyPr spcFirstLastPara="0" vert="horz" wrap="square" lIns="320040" tIns="182880" rIns="320040" bIns="182880" numCol="1" spcCol="1270" anchor="ctr" anchorCtr="0">
           <a:noAutofit/>
         </a:bodyPr>
         <a:lstStyle/>
         <a:p>
-          <a:pPr marL="0" lvl="0" indent="0" algn="ctr" defTabSz="1200150">
+          <a:pPr marL="0" lvl="0" indent="0" algn="ctr" defTabSz="2000250">
             <a:lnSpc>
               <a:spcPct val="90000"/>
             </a:lnSpc>
@@ -5001,14 +4952,14 @@
             <a:buNone/>
           </a:pPr>
           <a:r>
-            <a:rPr lang="en-US" sz="2700" kern="1200" dirty="0"/>
+            <a:rPr lang="en-US" sz="4500" kern="1200" dirty="0"/>
             <a:t>ABV</a:t>
           </a:r>
         </a:p>
       </dsp:txBody>
       <dsp:txXfrm>
-        <a:off x="2540" y="430601"/>
-        <a:ext cx="2476500" cy="777600"/>
+        <a:off x="2540" y="177035"/>
+        <a:ext cx="2476500" cy="990600"/>
       </dsp:txXfrm>
     </dsp:sp>
     <dsp:sp modelId="{53589A88-8D73-47B6-82BC-40710CC9D801}">
@@ -5018,8 +4969,8 @@
       </dsp:nvSpPr>
       <dsp:spPr>
         <a:xfrm>
-          <a:off x="2540" y="1208201"/>
-          <a:ext cx="2476500" cy="3779865"/>
+          <a:off x="2540" y="1167635"/>
+          <a:ext cx="2476500" cy="1976400"/>
         </a:xfrm>
         <a:prstGeom prst="rect">
           <a:avLst/>
@@ -5062,12 +5013,12 @@
         <a:fontRef idx="minor"/>
       </dsp:style>
       <dsp:txBody>
-        <a:bodyPr spcFirstLastPara="0" vert="horz" wrap="square" lIns="144018" tIns="144018" rIns="192024" bIns="216027" numCol="1" spcCol="1270" anchor="t" anchorCtr="0">
+        <a:bodyPr spcFirstLastPara="0" vert="horz" wrap="square" lIns="170688" tIns="170688" rIns="227584" bIns="256032" numCol="1" spcCol="1270" anchor="t" anchorCtr="0">
           <a:noAutofit/>
         </a:bodyPr>
         <a:lstStyle/>
         <a:p>
-          <a:pPr marL="228600" lvl="1" indent="-228600" algn="l" defTabSz="1200150">
+          <a:pPr marL="285750" lvl="1" indent="-285750" algn="l" defTabSz="1422400">
             <a:lnSpc>
               <a:spcPct val="90000"/>
             </a:lnSpc>
@@ -5080,32 +5031,14 @@
             <a:buChar char="•"/>
           </a:pPr>
           <a:r>
-            <a:rPr lang="en-US" sz="2700" kern="1200" dirty="0"/>
-            <a:t>60</a:t>
-          </a:r>
-        </a:p>
-        <a:p>
-          <a:pPr marL="228600" lvl="1" indent="-228600" algn="l" defTabSz="1200150">
-            <a:lnSpc>
-              <a:spcPct val="90000"/>
-            </a:lnSpc>
-            <a:spcBef>
-              <a:spcPct val="0"/>
-            </a:spcBef>
-            <a:spcAft>
-              <a:spcPct val="15000"/>
-            </a:spcAft>
-            <a:buChar char="•"/>
-          </a:pPr>
-          <a:r>
-            <a:rPr lang="en-US" sz="2700" kern="1200" dirty="0"/>
-            <a:t>Does not include UT = Zero – need clarification on whether this is an NA</a:t>
+            <a:rPr lang="en-US" sz="3200" kern="1200" dirty="0"/>
+            <a:t>62</a:t>
           </a:r>
         </a:p>
       </dsp:txBody>
       <dsp:txXfrm>
-        <a:off x="2540" y="1208201"/>
-        <a:ext cx="2476500" cy="3779865"/>
+        <a:off x="2540" y="1167635"/>
+        <a:ext cx="2476500" cy="1976400"/>
       </dsp:txXfrm>
     </dsp:sp>
     <dsp:sp modelId="{DDD4128C-289F-404B-A6E6-BCDB7834D96D}">
@@ -5115,8 +5048,8 @@
       </dsp:nvSpPr>
       <dsp:spPr>
         <a:xfrm>
-          <a:off x="2825750" y="430601"/>
-          <a:ext cx="2476500" cy="777600"/>
+          <a:off x="2825750" y="177035"/>
+          <a:ext cx="2476500" cy="990600"/>
         </a:xfrm>
         <a:prstGeom prst="rect">
           <a:avLst/>
@@ -5157,12 +5090,12 @@
         </a:fontRef>
       </dsp:style>
       <dsp:txBody>
-        <a:bodyPr spcFirstLastPara="0" vert="horz" wrap="square" lIns="192024" tIns="109728" rIns="192024" bIns="109728" numCol="1" spcCol="1270" anchor="ctr" anchorCtr="0">
+        <a:bodyPr spcFirstLastPara="0" vert="horz" wrap="square" lIns="320040" tIns="182880" rIns="320040" bIns="182880" numCol="1" spcCol="1270" anchor="ctr" anchorCtr="0">
           <a:noAutofit/>
         </a:bodyPr>
         <a:lstStyle/>
         <a:p>
-          <a:pPr marL="0" lvl="0" indent="0" algn="ctr" defTabSz="1200150">
+          <a:pPr marL="0" lvl="0" indent="0" algn="ctr" defTabSz="2000250">
             <a:lnSpc>
               <a:spcPct val="90000"/>
             </a:lnSpc>
@@ -5175,14 +5108,14 @@
             <a:buNone/>
           </a:pPr>
           <a:r>
-            <a:rPr lang="en-US" sz="2700" kern="1200" dirty="0"/>
+            <a:rPr lang="en-US" sz="4500" kern="1200" dirty="0"/>
             <a:t>IBU</a:t>
           </a:r>
         </a:p>
       </dsp:txBody>
       <dsp:txXfrm>
-        <a:off x="2825750" y="430601"/>
-        <a:ext cx="2476500" cy="777600"/>
+        <a:off x="2825750" y="177035"/>
+        <a:ext cx="2476500" cy="990600"/>
       </dsp:txXfrm>
     </dsp:sp>
     <dsp:sp modelId="{3991200B-1FC9-4DA7-9939-B1A2BEB25201}">
@@ -5192,8 +5125,8 @@
       </dsp:nvSpPr>
       <dsp:spPr>
         <a:xfrm>
-          <a:off x="2825750" y="1208201"/>
-          <a:ext cx="2476500" cy="3779865"/>
+          <a:off x="2825750" y="1167635"/>
+          <a:ext cx="2476500" cy="1976400"/>
         </a:xfrm>
         <a:prstGeom prst="rect">
           <a:avLst/>
@@ -5236,12 +5169,12 @@
         <a:fontRef idx="minor"/>
       </dsp:style>
       <dsp:txBody>
-        <a:bodyPr spcFirstLastPara="0" vert="horz" wrap="square" lIns="144018" tIns="144018" rIns="192024" bIns="216027" numCol="1" spcCol="1270" anchor="t" anchorCtr="0">
+        <a:bodyPr spcFirstLastPara="0" vert="horz" wrap="square" lIns="170688" tIns="170688" rIns="227584" bIns="256032" numCol="1" spcCol="1270" anchor="t" anchorCtr="0">
           <a:noAutofit/>
         </a:bodyPr>
         <a:lstStyle/>
         <a:p>
-          <a:pPr marL="228600" lvl="1" indent="-228600" algn="l" defTabSz="1200150">
+          <a:pPr marL="285750" lvl="1" indent="-285750" algn="l" defTabSz="1422400">
             <a:lnSpc>
               <a:spcPct val="90000"/>
             </a:lnSpc>
@@ -5254,32 +5187,14 @@
             <a:buChar char="•"/>
           </a:pPr>
           <a:r>
-            <a:rPr lang="en-US" sz="2700" kern="1200" dirty="0"/>
+            <a:rPr lang="en-US" sz="3200" kern="1200" dirty="0"/>
             <a:t>1005</a:t>
-          </a:r>
-        </a:p>
-        <a:p>
-          <a:pPr marL="228600" lvl="1" indent="-228600" algn="l" defTabSz="1200150">
-            <a:lnSpc>
-              <a:spcPct val="90000"/>
-            </a:lnSpc>
-            <a:spcBef>
-              <a:spcPct val="0"/>
-            </a:spcBef>
-            <a:spcAft>
-              <a:spcPct val="15000"/>
-            </a:spcAft>
-            <a:buChar char="•"/>
-          </a:pPr>
-          <a:r>
-            <a:rPr lang="en-US" sz="2700" kern="1200" dirty="0"/>
-            <a:t>SD has NA in field for IBU – need clarification </a:t>
           </a:r>
         </a:p>
       </dsp:txBody>
       <dsp:txXfrm>
-        <a:off x="2825750" y="1208201"/>
-        <a:ext cx="2476500" cy="3779865"/>
+        <a:off x="2825750" y="1167635"/>
+        <a:ext cx="2476500" cy="1976400"/>
       </dsp:txXfrm>
     </dsp:sp>
     <dsp:sp modelId="{22A7B64B-B5A3-4014-A9FA-40F6270EC35B}">
@@ -5289,8 +5204,8 @@
       </dsp:nvSpPr>
       <dsp:spPr>
         <a:xfrm>
-          <a:off x="5648960" y="430601"/>
-          <a:ext cx="2476500" cy="777600"/>
+          <a:off x="5648960" y="177035"/>
+          <a:ext cx="2476500" cy="990600"/>
         </a:xfrm>
         <a:prstGeom prst="rect">
           <a:avLst/>
@@ -5331,12 +5246,12 @@
         </a:fontRef>
       </dsp:style>
       <dsp:txBody>
-        <a:bodyPr spcFirstLastPara="0" vert="horz" wrap="square" lIns="192024" tIns="109728" rIns="192024" bIns="109728" numCol="1" spcCol="1270" anchor="ctr" anchorCtr="0">
+        <a:bodyPr spcFirstLastPara="0" vert="horz" wrap="square" lIns="320040" tIns="182880" rIns="320040" bIns="182880" numCol="1" spcCol="1270" anchor="ctr" anchorCtr="0">
           <a:noAutofit/>
         </a:bodyPr>
         <a:lstStyle/>
         <a:p>
-          <a:pPr marL="0" lvl="0" indent="0" algn="ctr" defTabSz="1200150">
+          <a:pPr marL="0" lvl="0" indent="0" algn="ctr" defTabSz="2000250">
             <a:lnSpc>
               <a:spcPct val="90000"/>
             </a:lnSpc>
@@ -5349,14 +5264,14 @@
             <a:buNone/>
           </a:pPr>
           <a:r>
-            <a:rPr lang="en-US" sz="2700" kern="1200" dirty="0"/>
+            <a:rPr lang="en-US" sz="4500" kern="1200" dirty="0"/>
             <a:t>Style</a:t>
           </a:r>
         </a:p>
       </dsp:txBody>
       <dsp:txXfrm>
-        <a:off x="5648960" y="430601"/>
-        <a:ext cx="2476500" cy="777600"/>
+        <a:off x="5648960" y="177035"/>
+        <a:ext cx="2476500" cy="990600"/>
       </dsp:txXfrm>
     </dsp:sp>
     <dsp:sp modelId="{BA89DA29-94E9-43E5-859F-1A126526C90A}">
@@ -5366,8 +5281,8 @@
       </dsp:nvSpPr>
       <dsp:spPr>
         <a:xfrm>
-          <a:off x="5648960" y="1208201"/>
-          <a:ext cx="2476500" cy="3779865"/>
+          <a:off x="5648960" y="1167635"/>
+          <a:ext cx="2476500" cy="1976400"/>
         </a:xfrm>
         <a:prstGeom prst="rect">
           <a:avLst/>
@@ -5410,12 +5325,12 @@
         <a:fontRef idx="minor"/>
       </dsp:style>
       <dsp:txBody>
-        <a:bodyPr spcFirstLastPara="0" vert="horz" wrap="square" lIns="144018" tIns="144018" rIns="192024" bIns="216027" numCol="1" spcCol="1270" anchor="t" anchorCtr="0">
+        <a:bodyPr spcFirstLastPara="0" vert="horz" wrap="square" lIns="170688" tIns="170688" rIns="227584" bIns="256032" numCol="1" spcCol="1270" anchor="t" anchorCtr="0">
           <a:noAutofit/>
         </a:bodyPr>
         <a:lstStyle/>
         <a:p>
-          <a:pPr marL="228600" lvl="1" indent="-228600" algn="l" defTabSz="1200150">
+          <a:pPr marL="285750" lvl="1" indent="-285750" algn="l" defTabSz="1422400">
             <a:lnSpc>
               <a:spcPct val="90000"/>
             </a:lnSpc>
@@ -5428,14 +5343,15 @@
             <a:buChar char="•"/>
           </a:pPr>
           <a:r>
-            <a:rPr lang="en-US" sz="2700" kern="1200" dirty="0"/>
+            <a:rPr lang="en-US" sz="3200" kern="1200" dirty="0"/>
             <a:t>5</a:t>
           </a:r>
+          <a:endParaRPr lang="en-US" sz="4500" kern="1200" dirty="0"/>
         </a:p>
       </dsp:txBody>
       <dsp:txXfrm>
-        <a:off x="5648960" y="1208201"/>
-        <a:ext cx="2476500" cy="3779865"/>
+        <a:off x="5648960" y="1167635"/>
+        <a:ext cx="2476500" cy="1976400"/>
       </dsp:txXfrm>
     </dsp:sp>
   </dsp:spTree>
@@ -6861,7 +6777,7 @@
           <a:p>
             <a:fld id="{F2F46701-6C5B-42CA-B80D-9AEFE275C2EF}" type="datetimeFigureOut">
               <a:rPr lang="en-US" smtClean="0"/>
-              <a:t>2/25/2018</a:t>
+              <a:t>2/26/2018</a:t>
             </a:fld>
             <a:endParaRPr lang="en-US"/>
           </a:p>
@@ -7089,7 +7005,7 @@
           <a:p>
             <a:fld id="{F2F46701-6C5B-42CA-B80D-9AEFE275C2EF}" type="datetimeFigureOut">
               <a:rPr lang="en-US" smtClean="0"/>
-              <a:t>2/25/2018</a:t>
+              <a:t>2/26/2018</a:t>
             </a:fld>
             <a:endParaRPr lang="en-US"/>
           </a:p>
@@ -7269,7 +7185,7 @@
           <a:p>
             <a:fld id="{F2F46701-6C5B-42CA-B80D-9AEFE275C2EF}" type="datetimeFigureOut">
               <a:rPr lang="en-US" smtClean="0"/>
-              <a:t>2/25/2018</a:t>
+              <a:t>2/26/2018</a:t>
             </a:fld>
             <a:endParaRPr lang="en-US"/>
           </a:p>
@@ -7439,7 +7355,7 @@
           <a:p>
             <a:fld id="{F2F46701-6C5B-42CA-B80D-9AEFE275C2EF}" type="datetimeFigureOut">
               <a:rPr lang="en-US" smtClean="0"/>
-              <a:t>2/25/2018</a:t>
+              <a:t>2/26/2018</a:t>
             </a:fld>
             <a:endParaRPr lang="en-US"/>
           </a:p>
@@ -7693,7 +7609,7 @@
           <a:p>
             <a:fld id="{F2F46701-6C5B-42CA-B80D-9AEFE275C2EF}" type="datetimeFigureOut">
               <a:rPr lang="en-US" smtClean="0"/>
-              <a:t>2/25/2018</a:t>
+              <a:t>2/26/2018</a:t>
             </a:fld>
             <a:endParaRPr lang="en-US"/>
           </a:p>
@@ -8019,7 +7935,7 @@
           <a:p>
             <a:fld id="{F2F46701-6C5B-42CA-B80D-9AEFE275C2EF}" type="datetimeFigureOut">
               <a:rPr lang="en-US" smtClean="0"/>
-              <a:t>2/25/2018</a:t>
+              <a:t>2/26/2018</a:t>
             </a:fld>
             <a:endParaRPr lang="en-US"/>
           </a:p>
@@ -8470,7 +8386,7 @@
           <a:p>
             <a:fld id="{F2F46701-6C5B-42CA-B80D-9AEFE275C2EF}" type="datetimeFigureOut">
               <a:rPr lang="en-US" smtClean="0"/>
-              <a:t>2/25/2018</a:t>
+              <a:t>2/26/2018</a:t>
             </a:fld>
             <a:endParaRPr lang="en-US"/>
           </a:p>
@@ -8588,7 +8504,7 @@
           <a:p>
             <a:fld id="{F2F46701-6C5B-42CA-B80D-9AEFE275C2EF}" type="datetimeFigureOut">
               <a:rPr lang="en-US" smtClean="0"/>
-              <a:t>2/25/2018</a:t>
+              <a:t>2/26/2018</a:t>
             </a:fld>
             <a:endParaRPr lang="en-US"/>
           </a:p>
@@ -8683,7 +8599,7 @@
           <a:p>
             <a:fld id="{F2F46701-6C5B-42CA-B80D-9AEFE275C2EF}" type="datetimeFigureOut">
               <a:rPr lang="en-US" smtClean="0"/>
-              <a:t>2/25/2018</a:t>
+              <a:t>2/26/2018</a:t>
             </a:fld>
             <a:endParaRPr lang="en-US"/>
           </a:p>
@@ -8970,7 +8886,7 @@
           <a:p>
             <a:fld id="{F2F46701-6C5B-42CA-B80D-9AEFE275C2EF}" type="datetimeFigureOut">
               <a:rPr lang="en-US" smtClean="0"/>
-              <a:t>2/25/2018</a:t>
+              <a:t>2/26/2018</a:t>
             </a:fld>
             <a:endParaRPr lang="en-US"/>
           </a:p>
@@ -9292,7 +9208,7 @@
           <a:p>
             <a:fld id="{F2F46701-6C5B-42CA-B80D-9AEFE275C2EF}" type="datetimeFigureOut">
               <a:rPr lang="en-US" smtClean="0"/>
-              <a:t>2/25/2018</a:t>
+              <a:t>2/26/2018</a:t>
             </a:fld>
             <a:endParaRPr lang="en-US"/>
           </a:p>
@@ -9546,7 +9462,7 @@
           <a:p>
             <a:fld id="{F2F46701-6C5B-42CA-B80D-9AEFE275C2EF}" type="datetimeFigureOut">
               <a:rPr lang="en-US" smtClean="0"/>
-              <a:t>2/25/2018</a:t>
+              <a:t>2/26/2018</a:t>
             </a:fld>
             <a:endParaRPr lang="en-US"/>
           </a:p>
@@ -12785,14 +12701,14 @@
           <p:nvPr>
             <p:extLst>
               <p:ext uri="{D42A27DB-BD31-4B8C-83A1-F6EECF244321}">
-                <p14:modId xmlns:p14="http://schemas.microsoft.com/office/powerpoint/2010/main" val="2656831542"/>
+                <p14:modId xmlns:p14="http://schemas.microsoft.com/office/powerpoint/2010/main" val="3869411753"/>
               </p:ext>
             </p:extLst>
           </p:nvPr>
         </p:nvGraphicFramePr>
         <p:xfrm>
-          <a:off x="1676768" y="780664"/>
-          <a:ext cx="8128000" cy="5418667"/>
+          <a:off x="1676768" y="1120299"/>
+          <a:ext cx="8128000" cy="3321072"/>
         </p:xfrm>
         <a:graphic>
           <a:graphicData uri="http://schemas.openxmlformats.org/drawingml/2006/diagram">
@@ -12800,6 +12716,38 @@
           </a:graphicData>
         </a:graphic>
       </p:graphicFrame>
+      <p:sp>
+        <p:nvSpPr>
+          <p:cNvPr id="4" name="TextBox 3">
+            <a:extLst>
+              <a:ext uri="{FF2B5EF4-FFF2-40B4-BE49-F238E27FC236}">
+                <a16:creationId xmlns:a16="http://schemas.microsoft.com/office/drawing/2014/main" id="{F5B68701-CF2D-4877-A237-9D823C7A0F8D}"/>
+              </a:ext>
+            </a:extLst>
+          </p:cNvPr>
+          <p:cNvSpPr txBox="1"/>
+          <p:nvPr/>
+        </p:nvSpPr>
+        <p:spPr>
+          <a:xfrm>
+            <a:off x="1219200" y="5050971"/>
+            <a:ext cx="184731" cy="369332"/>
+          </a:xfrm>
+          <a:prstGeom prst="rect">
+            <a:avLst/>
+          </a:prstGeom>
+          <a:noFill/>
+        </p:spPr>
+        <p:txBody>
+          <a:bodyPr wrap="none" rtlCol="0">
+            <a:spAutoFit/>
+          </a:bodyPr>
+          <a:lstStyle/>
+          <a:p>
+            <a:endParaRPr lang="en-US"/>
+          </a:p>
+        </p:txBody>
+      </p:sp>
     </p:spTree>
     <p:extLst>
       <p:ext uri="{BB962C8B-B14F-4D97-AF65-F5344CB8AC3E}">
@@ -13224,14 +13172,14 @@
             <p:ph sz="half" idx="1"/>
             <p:extLst>
               <p:ext uri="{D42A27DB-BD31-4B8C-83A1-F6EECF244321}">
-                <p14:modId xmlns:p14="http://schemas.microsoft.com/office/powerpoint/2010/main" val="3669519623"/>
+                <p14:modId xmlns:p14="http://schemas.microsoft.com/office/powerpoint/2010/main" val="4133471255"/>
               </p:ext>
             </p:extLst>
           </p:nvPr>
         </p:nvGraphicFramePr>
         <p:xfrm>
-          <a:off x="-1" y="838899"/>
-          <a:ext cx="11316021" cy="6107185"/>
+          <a:off x="-1" y="838900"/>
+          <a:ext cx="11316021" cy="5178724"/>
         </p:xfrm>
         <a:graphic>
           <a:graphicData uri="http://schemas.openxmlformats.org/drawingml/2006/chart">
